--- a/poster.pptx
+++ b/poster.pptx
@@ -6,13 +6,14 @@
   </p:sldMasterIdLst>
   <p:sldIdLst>
     <p:sldId id="256" r:id="rId3"/>
+    <p:sldId id="257" r:id="rId4"/>
   </p:sldIdLst>
   <p:sldSz cx="9601200" cy="12801600"/>
   <p:notesSz cx="7559675" cy="10691812"/>
 </p:presentation>
 </file>
 
-<file path=ppt/charts/chart2.xml><?xml version="1.0" encoding="utf-8"?>
+<file path=ppt/charts/chart1.xml><?xml version="1.0" encoding="utf-8"?>
 <c:chartSpace xmlns:c="http://schemas.openxmlformats.org/drawingml/2006/chart" xmlns:a="http://schemas.openxmlformats.org/drawingml/2006/main" xmlns:r="http://schemas.openxmlformats.org/officeDocument/2006/relationships">
   <c:lang val="en-US"/>
   <c:roundedCorners val="0"/>
@@ -53,10 +54,10 @@
           <c:layoutTarget val="inner"/>
           <c:xMode val="edge"/>
           <c:yMode val="edge"/>
-          <c:x val="0.117124183006536"/>
-          <c:y val="0.129835818078883"/>
-          <c:w val="0.873464052287582"/>
-          <c:h val="0.494244197018305"/>
+          <c:x val="0.117134390796584"/>
+          <c:y val="0.129860324650812"/>
+          <c:w val="0.87336587066411"/>
+          <c:h val="0.494148735371838"/>
         </c:manualLayout>
       </c:layout>
       <c:bar3DChart>
@@ -332,12 +333,12 @@
         </c:ser>
         <c:gapWidth val="150"/>
         <c:shape val="box"/>
-        <c:axId val="36626975"/>
-        <c:axId val="9168826"/>
+        <c:axId val="32194870"/>
+        <c:axId val="67316046"/>
         <c:axId val="0"/>
       </c:bar3DChart>
       <c:catAx>
-        <c:axId val="36626975"/>
+        <c:axId val="32194870"/>
         <c:scaling>
           <c:orientation val="minMax"/>
         </c:scaling>
@@ -367,14 +368,14 @@
             </a:pPr>
           </a:p>
         </c:txPr>
-        <c:crossAx val="9168826"/>
+        <c:crossAx val="67316046"/>
         <c:crosses val="autoZero"/>
         <c:auto val="1"/>
         <c:lblAlgn val="ctr"/>
         <c:lblOffset val="100"/>
       </c:catAx>
       <c:valAx>
-        <c:axId val="9168826"/>
+        <c:axId val="67316046"/>
         <c:scaling>
           <c:orientation val="minMax"/>
         </c:scaling>
@@ -414,7 +415,7 @@
             </a:pPr>
           </a:p>
         </c:txPr>
-        <c:crossAx val="36626975"/>
+        <c:crossAx val="32194870"/>
         <c:crosses val="autoZero"/>
       </c:valAx>
     </c:plotArea>
@@ -427,6 +428,457 @@
           <c:y val="0.0504493267299005"/>
           <c:w val="0.495393943794931"/>
           <c:h val="0.136211740041929"/>
+        </c:manualLayout>
+      </c:layout>
+      <c:spPr>
+        <a:noFill/>
+        <a:ln>
+          <a:noFill/>
+        </a:ln>
+      </c:spPr>
+      <c:txPr>
+        <a:bodyPr/>
+        <a:lstStyle/>
+        <a:p>
+          <a:pPr>
+            <a:defRPr b="0" sz="1197" spc="-1" strike="noStrike">
+              <a:solidFill>
+                <a:srgbClr val="595959"/>
+              </a:solidFill>
+              <a:latin typeface="Calibri"/>
+              <a:ea typeface="DejaVu Sans"/>
+            </a:defRPr>
+          </a:pPr>
+        </a:p>
+      </c:txPr>
+    </c:legend>
+    <c:plotVisOnly val="1"/>
+    <c:dispBlanksAs val="gap"/>
+  </c:chart>
+  <c:spPr>
+    <a:noFill/>
+    <a:ln>
+      <a:noFill/>
+    </a:ln>
+  </c:spPr>
+</c:chartSpace>
+</file>
+
+<file path=ppt/charts/chart2.xml><?xml version="1.0" encoding="utf-8"?>
+<c:chartSpace xmlns:c="http://schemas.openxmlformats.org/drawingml/2006/chart" xmlns:a="http://schemas.openxmlformats.org/drawingml/2006/main" xmlns:r="http://schemas.openxmlformats.org/officeDocument/2006/relationships">
+  <c:lang val="en-US"/>
+  <c:roundedCorners val="0"/>
+  <c:chart>
+    <c:view3D>
+      <c:rotX val="15"/>
+      <c:rotY val="20"/>
+      <c:rAngAx val="1"/>
+      <c:perspective val="30"/>
+    </c:view3D>
+    <c:floor>
+      <c:spPr>
+        <a:noFill/>
+        <a:ln w="9360">
+          <a:noFill/>
+        </a:ln>
+      </c:spPr>
+    </c:floor>
+    <c:sideWall>
+      <c:spPr>
+        <a:noFill/>
+        <a:ln w="9360">
+          <a:noFill/>
+        </a:ln>
+      </c:spPr>
+    </c:sideWall>
+    <c:backWall>
+      <c:spPr>
+        <a:noFill/>
+        <a:ln w="9360">
+          <a:noFill/>
+        </a:ln>
+      </c:spPr>
+    </c:backWall>
+    <c:plotArea>
+      <c:layout>
+        <c:manualLayout>
+          <c:layoutTarget val="inner"/>
+          <c:xMode val="edge"/>
+          <c:yMode val="edge"/>
+          <c:x val="0.117134390796584"/>
+          <c:y val="0.129860324650812"/>
+          <c:w val="0.87336587066411"/>
+          <c:h val="0.494148735371838"/>
+        </c:manualLayout>
+      </c:layout>
+      <c:bar3DChart>
+        <c:barDir val="col"/>
+        <c:grouping val="stacked"/>
+        <c:varyColors val="0"/>
+        <c:ser>
+          <c:idx val="0"/>
+          <c:order val="0"/>
+          <c:tx>
+            <c:strRef>
+              <c:f>label 0</c:f>
+              <c:strCache>
+                <c:ptCount val="1"/>
+                <c:pt idx="0">
+                  <c:v>Data 1</c:v>
+                </c:pt>
+              </c:strCache>
+            </c:strRef>
+          </c:tx>
+          <c:spPr>
+            <a:solidFill>
+              <a:srgbClr val="4f81bd"/>
+            </a:solidFill>
+            <a:ln>
+              <a:noFill/>
+            </a:ln>
+          </c:spPr>
+          <c:invertIfNegative val="0"/>
+          <c:dLbls>
+            <c:numFmt formatCode="General" sourceLinked="1"/>
+            <c:txPr>
+              <a:bodyPr/>
+              <a:lstStyle/>
+              <a:p>
+                <a:pPr>
+                  <a:defRPr b="0" sz="1000" spc="-1" strike="noStrike">
+                    <a:solidFill>
+                      <a:srgbClr val="000000"/>
+                    </a:solidFill>
+                    <a:latin typeface="Calibri"/>
+                    <a:ea typeface="DejaVu Sans"/>
+                  </a:defRPr>
+                </a:pPr>
+              </a:p>
+            </c:txPr>
+            <c:showLegendKey val="0"/>
+            <c:showVal val="0"/>
+            <c:showCatName val="0"/>
+            <c:showSerName val="0"/>
+            <c:showPercent val="0"/>
+            <c:showLeaderLines val="0"/>
+          </c:dLbls>
+          <c:cat>
+            <c:strRef>
+              <c:f>categories</c:f>
+              <c:strCache>
+                <c:ptCount val="4"/>
+                <c:pt idx="0">
+                  <c:v>Case 1</c:v>
+                </c:pt>
+                <c:pt idx="1">
+                  <c:v>Case 2</c:v>
+                </c:pt>
+                <c:pt idx="2">
+                  <c:v>Case 3</c:v>
+                </c:pt>
+                <c:pt idx="3">
+                  <c:v>Case 4</c:v>
+                </c:pt>
+              </c:strCache>
+            </c:strRef>
+          </c:cat>
+          <c:val>
+            <c:numRef>
+              <c:f>0</c:f>
+              <c:numCache>
+                <c:formatCode>General</c:formatCode>
+                <c:ptCount val="4"/>
+                <c:pt idx="0">
+                  <c:v>4.3</c:v>
+                </c:pt>
+                <c:pt idx="1">
+                  <c:v>2.5</c:v>
+                </c:pt>
+                <c:pt idx="2">
+                  <c:v>3.5</c:v>
+                </c:pt>
+                <c:pt idx="3">
+                  <c:v>4.5</c:v>
+                </c:pt>
+              </c:numCache>
+            </c:numRef>
+          </c:val>
+        </c:ser>
+        <c:ser>
+          <c:idx val="1"/>
+          <c:order val="1"/>
+          <c:tx>
+            <c:strRef>
+              <c:f>label 1</c:f>
+              <c:strCache>
+                <c:ptCount val="1"/>
+                <c:pt idx="0">
+                  <c:v>Data 2</c:v>
+                </c:pt>
+              </c:strCache>
+            </c:strRef>
+          </c:tx>
+          <c:spPr>
+            <a:solidFill>
+              <a:srgbClr val="c0504d"/>
+            </a:solidFill>
+            <a:ln>
+              <a:noFill/>
+            </a:ln>
+          </c:spPr>
+          <c:invertIfNegative val="0"/>
+          <c:dLbls>
+            <c:numFmt formatCode="General" sourceLinked="1"/>
+            <c:txPr>
+              <a:bodyPr/>
+              <a:lstStyle/>
+              <a:p>
+                <a:pPr>
+                  <a:defRPr b="0" sz="1000" spc="-1" strike="noStrike">
+                    <a:solidFill>
+                      <a:srgbClr val="000000"/>
+                    </a:solidFill>
+                    <a:latin typeface="Calibri"/>
+                    <a:ea typeface="DejaVu Sans"/>
+                  </a:defRPr>
+                </a:pPr>
+              </a:p>
+            </c:txPr>
+            <c:showLegendKey val="0"/>
+            <c:showVal val="0"/>
+            <c:showCatName val="0"/>
+            <c:showSerName val="0"/>
+            <c:showPercent val="0"/>
+            <c:showLeaderLines val="0"/>
+          </c:dLbls>
+          <c:cat>
+            <c:strRef>
+              <c:f>categories</c:f>
+              <c:strCache>
+                <c:ptCount val="4"/>
+                <c:pt idx="0">
+                  <c:v>Case 1</c:v>
+                </c:pt>
+                <c:pt idx="1">
+                  <c:v>Case 2</c:v>
+                </c:pt>
+                <c:pt idx="2">
+                  <c:v>Case 3</c:v>
+                </c:pt>
+                <c:pt idx="3">
+                  <c:v>Case 4</c:v>
+                </c:pt>
+              </c:strCache>
+            </c:strRef>
+          </c:cat>
+          <c:val>
+            <c:numRef>
+              <c:f>1</c:f>
+              <c:numCache>
+                <c:formatCode>General</c:formatCode>
+                <c:ptCount val="4"/>
+                <c:pt idx="0">
+                  <c:v>2.4</c:v>
+                </c:pt>
+                <c:pt idx="1">
+                  <c:v>4.4</c:v>
+                </c:pt>
+                <c:pt idx="2">
+                  <c:v>1.8</c:v>
+                </c:pt>
+                <c:pt idx="3">
+                  <c:v>2.8</c:v>
+                </c:pt>
+              </c:numCache>
+            </c:numRef>
+          </c:val>
+        </c:ser>
+        <c:ser>
+          <c:idx val="2"/>
+          <c:order val="2"/>
+          <c:tx>
+            <c:strRef>
+              <c:f>label 2</c:f>
+              <c:strCache>
+                <c:ptCount val="1"/>
+                <c:pt idx="0">
+                  <c:v>Data 3</c:v>
+                </c:pt>
+              </c:strCache>
+            </c:strRef>
+          </c:tx>
+          <c:spPr>
+            <a:solidFill>
+              <a:srgbClr val="9bbb59"/>
+            </a:solidFill>
+            <a:ln>
+              <a:noFill/>
+            </a:ln>
+          </c:spPr>
+          <c:invertIfNegative val="0"/>
+          <c:dLbls>
+            <c:numFmt formatCode="General" sourceLinked="1"/>
+            <c:txPr>
+              <a:bodyPr/>
+              <a:lstStyle/>
+              <a:p>
+                <a:pPr>
+                  <a:defRPr b="0" sz="1000" spc="-1" strike="noStrike">
+                    <a:solidFill>
+                      <a:srgbClr val="000000"/>
+                    </a:solidFill>
+                    <a:latin typeface="Calibri"/>
+                    <a:ea typeface="DejaVu Sans"/>
+                  </a:defRPr>
+                </a:pPr>
+              </a:p>
+            </c:txPr>
+            <c:showLegendKey val="0"/>
+            <c:showVal val="0"/>
+            <c:showCatName val="0"/>
+            <c:showSerName val="0"/>
+            <c:showPercent val="0"/>
+            <c:showLeaderLines val="0"/>
+          </c:dLbls>
+          <c:cat>
+            <c:strRef>
+              <c:f>categories</c:f>
+              <c:strCache>
+                <c:ptCount val="4"/>
+                <c:pt idx="0">
+                  <c:v>Case 1</c:v>
+                </c:pt>
+                <c:pt idx="1">
+                  <c:v>Case 2</c:v>
+                </c:pt>
+                <c:pt idx="2">
+                  <c:v>Case 3</c:v>
+                </c:pt>
+                <c:pt idx="3">
+                  <c:v>Case 4</c:v>
+                </c:pt>
+              </c:strCache>
+            </c:strRef>
+          </c:cat>
+          <c:val>
+            <c:numRef>
+              <c:f>2</c:f>
+              <c:numCache>
+                <c:formatCode>General</c:formatCode>
+                <c:ptCount val="4"/>
+                <c:pt idx="0">
+                  <c:v>3</c:v>
+                </c:pt>
+                <c:pt idx="1">
+                  <c:v>2</c:v>
+                </c:pt>
+                <c:pt idx="2">
+                  <c:v>3</c:v>
+                </c:pt>
+                <c:pt idx="3">
+                  <c:v>5</c:v>
+                </c:pt>
+              </c:numCache>
+            </c:numRef>
+          </c:val>
+        </c:ser>
+        <c:gapWidth val="150"/>
+        <c:shape val="box"/>
+        <c:axId val="95891574"/>
+        <c:axId val="16100957"/>
+        <c:axId val="0"/>
+      </c:bar3DChart>
+      <c:catAx>
+        <c:axId val="95891574"/>
+        <c:scaling>
+          <c:orientation val="minMax"/>
+        </c:scaling>
+        <c:delete val="0"/>
+        <c:axPos val="b"/>
+        <c:numFmt formatCode="YYYY/MM/DD" sourceLinked="1"/>
+        <c:majorTickMark val="none"/>
+        <c:minorTickMark val="none"/>
+        <c:tickLblPos val="nextTo"/>
+        <c:spPr>
+          <a:ln w="9360">
+            <a:noFill/>
+          </a:ln>
+        </c:spPr>
+        <c:txPr>
+          <a:bodyPr/>
+          <a:lstStyle/>
+          <a:p>
+            <a:pPr>
+              <a:defRPr b="0" sz="1197" spc="-1" strike="noStrike">
+                <a:solidFill>
+                  <a:srgbClr val="595959"/>
+                </a:solidFill>
+                <a:latin typeface="Arial"/>
+                <a:ea typeface="DejaVu Sans"/>
+              </a:defRPr>
+            </a:pPr>
+          </a:p>
+        </c:txPr>
+        <c:crossAx val="16100957"/>
+        <c:crosses val="autoZero"/>
+        <c:auto val="1"/>
+        <c:lblAlgn val="ctr"/>
+        <c:lblOffset val="100"/>
+      </c:catAx>
+      <c:valAx>
+        <c:axId val="16100957"/>
+        <c:scaling>
+          <c:orientation val="minMax"/>
+        </c:scaling>
+        <c:delete val="0"/>
+        <c:axPos val="l"/>
+        <c:majorGridlines>
+          <c:spPr>
+            <a:ln w="9360">
+              <a:solidFill>
+                <a:srgbClr val="d9d9d9"/>
+              </a:solidFill>
+              <a:round/>
+            </a:ln>
+          </c:spPr>
+        </c:majorGridlines>
+        <c:numFmt formatCode="General" sourceLinked="0"/>
+        <c:majorTickMark val="none"/>
+        <c:minorTickMark val="none"/>
+        <c:tickLblPos val="nextTo"/>
+        <c:spPr>
+          <a:ln w="9360">
+            <a:noFill/>
+          </a:ln>
+        </c:spPr>
+        <c:txPr>
+          <a:bodyPr/>
+          <a:lstStyle/>
+          <a:p>
+            <a:pPr>
+              <a:defRPr b="0" sz="1197" spc="-1" strike="noStrike">
+                <a:solidFill>
+                  <a:srgbClr val="595959"/>
+                </a:solidFill>
+                <a:latin typeface="Arial"/>
+                <a:ea typeface="DejaVu Sans"/>
+              </a:defRPr>
+            </a:pPr>
+          </a:p>
+        </c:txPr>
+        <c:crossAx val="95891574"/>
+        <c:crosses val="autoZero"/>
+      </c:valAx>
+    </c:plotArea>
+    <c:legend>
+      <c:layout>
+        <c:manualLayout>
+          <c:xMode val="edge"/>
+          <c:yMode val="edge"/>
+          <c:x val="0.295276276799721"/>
+          <c:y val="0.05039637599094"/>
+          <c:w val="0.4954240390482"/>
+          <c:h val="0.136114781952048"/>
         </c:manualLayout>
       </c:layout>
       <c:spPr>
@@ -515,7 +967,7 @@
         <p:spPr>
           <a:xfrm>
             <a:off x="720000" y="4279680"/>
-            <a:ext cx="8160480" cy="2137680"/>
+            <a:ext cx="8160120" cy="2137680"/>
           </a:xfrm>
           <a:prstGeom prst="rect">
             <a:avLst/>
@@ -546,7 +998,7 @@
         <p:spPr>
           <a:xfrm>
             <a:off x="479880" y="2995560"/>
-            <a:ext cx="8640720" cy="3541320"/>
+            <a:ext cx="8640360" cy="3540960"/>
           </a:xfrm>
           <a:prstGeom prst="rect">
             <a:avLst/>
@@ -575,8 +1027,8 @@
         </p:nvSpPr>
         <p:spPr>
           <a:xfrm>
-            <a:off x="479880" y="6873840"/>
-            <a:ext cx="8640720" cy="3541320"/>
+            <a:off x="479880" y="6873480"/>
+            <a:ext cx="8640360" cy="3540960"/>
           </a:xfrm>
           <a:prstGeom prst="rect">
             <a:avLst/>
@@ -628,7 +1080,7 @@
         <p:spPr>
           <a:xfrm>
             <a:off x="720000" y="4279680"/>
-            <a:ext cx="8160480" cy="2137680"/>
+            <a:ext cx="8160120" cy="2137680"/>
           </a:xfrm>
           <a:prstGeom prst="rect">
             <a:avLst/>
@@ -659,7 +1111,7 @@
         <p:spPr>
           <a:xfrm>
             <a:off x="479880" y="2995560"/>
-            <a:ext cx="4216320" cy="3541320"/>
+            <a:ext cx="4216320" cy="3540960"/>
           </a:xfrm>
           <a:prstGeom prst="rect">
             <a:avLst/>
@@ -689,7 +1141,7 @@
         <p:spPr>
           <a:xfrm>
             <a:off x="4907520" y="2995560"/>
-            <a:ext cx="4216320" cy="3541320"/>
+            <a:ext cx="4216320" cy="3540960"/>
           </a:xfrm>
           <a:prstGeom prst="rect">
             <a:avLst/>
@@ -718,8 +1170,8 @@
         </p:nvSpPr>
         <p:spPr>
           <a:xfrm>
-            <a:off x="479880" y="6873840"/>
-            <a:ext cx="4216320" cy="3541320"/>
+            <a:off x="479880" y="6873480"/>
+            <a:ext cx="4216320" cy="3540960"/>
           </a:xfrm>
           <a:prstGeom prst="rect">
             <a:avLst/>
@@ -748,8 +1200,8 @@
         </p:nvSpPr>
         <p:spPr>
           <a:xfrm>
-            <a:off x="4907520" y="6873840"/>
-            <a:ext cx="4216320" cy="3541320"/>
+            <a:off x="4907520" y="6873480"/>
+            <a:ext cx="4216320" cy="3540960"/>
           </a:xfrm>
           <a:prstGeom prst="rect">
             <a:avLst/>
@@ -801,7 +1253,7 @@
         <p:spPr>
           <a:xfrm>
             <a:off x="720000" y="4279680"/>
-            <a:ext cx="8160480" cy="2137680"/>
+            <a:ext cx="8160120" cy="2137680"/>
           </a:xfrm>
           <a:prstGeom prst="rect">
             <a:avLst/>
@@ -832,7 +1284,7 @@
         <p:spPr>
           <a:xfrm>
             <a:off x="479880" y="2995560"/>
-            <a:ext cx="2782080" cy="3541320"/>
+            <a:ext cx="2782080" cy="3540960"/>
           </a:xfrm>
           <a:prstGeom prst="rect">
             <a:avLst/>
@@ -862,7 +1314,7 @@
         <p:spPr>
           <a:xfrm>
             <a:off x="3401280" y="2995560"/>
-            <a:ext cx="2782080" cy="3541320"/>
+            <a:ext cx="2782080" cy="3540960"/>
           </a:xfrm>
           <a:prstGeom prst="rect">
             <a:avLst/>
@@ -892,7 +1344,7 @@
         <p:spPr>
           <a:xfrm>
             <a:off x="6323040" y="2995560"/>
-            <a:ext cx="2782080" cy="3541320"/>
+            <a:ext cx="2782080" cy="3540960"/>
           </a:xfrm>
           <a:prstGeom prst="rect">
             <a:avLst/>
@@ -921,8 +1373,8 @@
         </p:nvSpPr>
         <p:spPr>
           <a:xfrm>
-            <a:off x="479880" y="6873840"/>
-            <a:ext cx="2782080" cy="3541320"/>
+            <a:off x="479880" y="6873480"/>
+            <a:ext cx="2782080" cy="3540960"/>
           </a:xfrm>
           <a:prstGeom prst="rect">
             <a:avLst/>
@@ -951,8 +1403,8 @@
         </p:nvSpPr>
         <p:spPr>
           <a:xfrm>
-            <a:off x="3401280" y="6873840"/>
-            <a:ext cx="2782080" cy="3541320"/>
+            <a:off x="3401280" y="6873480"/>
+            <a:ext cx="2782080" cy="3540960"/>
           </a:xfrm>
           <a:prstGeom prst="rect">
             <a:avLst/>
@@ -981,8 +1433,8 @@
         </p:nvSpPr>
         <p:spPr>
           <a:xfrm>
-            <a:off x="6323040" y="6873840"/>
-            <a:ext cx="2782080" cy="3541320"/>
+            <a:off x="6323040" y="6873480"/>
+            <a:ext cx="2782080" cy="3540960"/>
           </a:xfrm>
           <a:prstGeom prst="rect">
             <a:avLst/>
@@ -1034,7 +1486,7 @@
         <p:spPr>
           <a:xfrm>
             <a:off x="720000" y="4279680"/>
-            <a:ext cx="8160480" cy="2137680"/>
+            <a:ext cx="8160120" cy="2137680"/>
           </a:xfrm>
           <a:prstGeom prst="rect">
             <a:avLst/>
@@ -1065,7 +1517,7 @@
         <p:spPr>
           <a:xfrm>
             <a:off x="479880" y="2995560"/>
-            <a:ext cx="8640720" cy="7424280"/>
+            <a:ext cx="8640360" cy="7423920"/>
           </a:xfrm>
           <a:prstGeom prst="rect">
             <a:avLst/>
@@ -1118,7 +1570,7 @@
         <p:spPr>
           <a:xfrm>
             <a:off x="720000" y="4279680"/>
-            <a:ext cx="8160480" cy="2137680"/>
+            <a:ext cx="8160120" cy="2137680"/>
           </a:xfrm>
           <a:prstGeom prst="rect">
             <a:avLst/>
@@ -1149,7 +1601,7 @@
         <p:spPr>
           <a:xfrm>
             <a:off x="479880" y="2995560"/>
-            <a:ext cx="8640720" cy="7424280"/>
+            <a:ext cx="8640360" cy="7423920"/>
           </a:xfrm>
           <a:prstGeom prst="rect">
             <a:avLst/>
@@ -1201,7 +1653,7 @@
         <p:spPr>
           <a:xfrm>
             <a:off x="720000" y="4279680"/>
-            <a:ext cx="8160480" cy="2137680"/>
+            <a:ext cx="8160120" cy="2137680"/>
           </a:xfrm>
           <a:prstGeom prst="rect">
             <a:avLst/>
@@ -1232,7 +1684,7 @@
         <p:spPr>
           <a:xfrm>
             <a:off x="479880" y="2995560"/>
-            <a:ext cx="4216320" cy="7424280"/>
+            <a:ext cx="4216320" cy="7423920"/>
           </a:xfrm>
           <a:prstGeom prst="rect">
             <a:avLst/>
@@ -1262,7 +1714,7 @@
         <p:spPr>
           <a:xfrm>
             <a:off x="4907520" y="2995560"/>
-            <a:ext cx="4216320" cy="7424280"/>
+            <a:ext cx="4216320" cy="7423920"/>
           </a:xfrm>
           <a:prstGeom prst="rect">
             <a:avLst/>
@@ -1314,7 +1766,7 @@
         <p:spPr>
           <a:xfrm>
             <a:off x="720000" y="4279680"/>
-            <a:ext cx="8160480" cy="2137680"/>
+            <a:ext cx="8160120" cy="2137680"/>
           </a:xfrm>
           <a:prstGeom prst="rect">
             <a:avLst/>
@@ -1367,7 +1819,7 @@
         <p:spPr>
           <a:xfrm>
             <a:off x="720000" y="4279680"/>
-            <a:ext cx="8160480" cy="9910440"/>
+            <a:ext cx="8160120" cy="9910440"/>
           </a:xfrm>
           <a:prstGeom prst="rect">
             <a:avLst/>
@@ -1420,7 +1872,7 @@
         <p:spPr>
           <a:xfrm>
             <a:off x="720000" y="4279680"/>
-            <a:ext cx="8160480" cy="2137680"/>
+            <a:ext cx="8160120" cy="2137680"/>
           </a:xfrm>
           <a:prstGeom prst="rect">
             <a:avLst/>
@@ -1451,7 +1903,7 @@
         <p:spPr>
           <a:xfrm>
             <a:off x="479880" y="2995560"/>
-            <a:ext cx="4216320" cy="3541320"/>
+            <a:ext cx="4216320" cy="3540960"/>
           </a:xfrm>
           <a:prstGeom prst="rect">
             <a:avLst/>
@@ -1481,7 +1933,7 @@
         <p:spPr>
           <a:xfrm>
             <a:off x="4907520" y="2995560"/>
-            <a:ext cx="4216320" cy="7424280"/>
+            <a:ext cx="4216320" cy="7423920"/>
           </a:xfrm>
           <a:prstGeom prst="rect">
             <a:avLst/>
@@ -1510,8 +1962,8 @@
         </p:nvSpPr>
         <p:spPr>
           <a:xfrm>
-            <a:off x="479880" y="6873840"/>
-            <a:ext cx="4216320" cy="3541320"/>
+            <a:off x="479880" y="6873480"/>
+            <a:ext cx="4216320" cy="3540960"/>
           </a:xfrm>
           <a:prstGeom prst="rect">
             <a:avLst/>
@@ -1563,7 +2015,7 @@
         <p:spPr>
           <a:xfrm>
             <a:off x="720000" y="4279680"/>
-            <a:ext cx="8160480" cy="2137680"/>
+            <a:ext cx="8160120" cy="2137680"/>
           </a:xfrm>
           <a:prstGeom prst="rect">
             <a:avLst/>
@@ -1594,7 +2046,7 @@
         <p:spPr>
           <a:xfrm>
             <a:off x="479880" y="2995560"/>
-            <a:ext cx="4216320" cy="7424280"/>
+            <a:ext cx="4216320" cy="7423920"/>
           </a:xfrm>
           <a:prstGeom prst="rect">
             <a:avLst/>
@@ -1624,7 +2076,7 @@
         <p:spPr>
           <a:xfrm>
             <a:off x="4907520" y="2995560"/>
-            <a:ext cx="4216320" cy="3541320"/>
+            <a:ext cx="4216320" cy="3540960"/>
           </a:xfrm>
           <a:prstGeom prst="rect">
             <a:avLst/>
@@ -1653,8 +2105,8 @@
         </p:nvSpPr>
         <p:spPr>
           <a:xfrm>
-            <a:off x="4907520" y="6873840"/>
-            <a:ext cx="4216320" cy="3541320"/>
+            <a:off x="4907520" y="6873480"/>
+            <a:ext cx="4216320" cy="3540960"/>
           </a:xfrm>
           <a:prstGeom prst="rect">
             <a:avLst/>
@@ -1706,7 +2158,7 @@
         <p:spPr>
           <a:xfrm>
             <a:off x="720000" y="4279680"/>
-            <a:ext cx="8160480" cy="2137680"/>
+            <a:ext cx="8160120" cy="2137680"/>
           </a:xfrm>
           <a:prstGeom prst="rect">
             <a:avLst/>
@@ -1737,7 +2189,7 @@
         <p:spPr>
           <a:xfrm>
             <a:off x="479880" y="2995560"/>
-            <a:ext cx="4216320" cy="3541320"/>
+            <a:ext cx="4216320" cy="3540960"/>
           </a:xfrm>
           <a:prstGeom prst="rect">
             <a:avLst/>
@@ -1767,7 +2219,7 @@
         <p:spPr>
           <a:xfrm>
             <a:off x="4907520" y="2995560"/>
-            <a:ext cx="4216320" cy="3541320"/>
+            <a:ext cx="4216320" cy="3540960"/>
           </a:xfrm>
           <a:prstGeom prst="rect">
             <a:avLst/>
@@ -1796,8 +2248,8 @@
         </p:nvSpPr>
         <p:spPr>
           <a:xfrm>
-            <a:off x="479880" y="6873840"/>
-            <a:ext cx="8640720" cy="3541320"/>
+            <a:off x="479880" y="6873480"/>
+            <a:ext cx="8640360" cy="3540960"/>
           </a:xfrm>
           <a:prstGeom prst="rect">
             <a:avLst/>
@@ -1856,7 +2308,7 @@
         <p:spPr>
           <a:xfrm>
             <a:off x="720000" y="4279680"/>
-            <a:ext cx="8160480" cy="2137680"/>
+            <a:ext cx="8160120" cy="2137680"/>
           </a:xfrm>
           <a:prstGeom prst="rect">
             <a:avLst/>
@@ -1892,7 +2344,7 @@
         <p:spPr>
           <a:xfrm>
             <a:off x="479880" y="2995560"/>
-            <a:ext cx="8640720" cy="7424280"/>
+            <a:ext cx="8640360" cy="7423920"/>
           </a:xfrm>
           <a:prstGeom prst="rect">
             <a:avLst/>
@@ -1915,12 +2367,12 @@
               <a:buChar char=""/>
             </a:pPr>
             <a:r>
-              <a:rPr b="0" lang="en-US" sz="3200" spc="-1" strike="noStrike">
+              <a:rPr b="0" lang="en-US" sz="1800" spc="-1" strike="noStrike">
                 <a:latin typeface="Arial"/>
               </a:rPr>
               <a:t>アウトラインテキストの書式を編集するにはクリックします。</a:t>
             </a:r>
-            <a:endParaRPr b="0" lang="en-US" sz="3200" spc="-1" strike="noStrike">
+            <a:endParaRPr b="0" lang="en-US" sz="1800" spc="-1" strike="noStrike">
               <a:latin typeface="Arial"/>
             </a:endParaRPr>
           </a:p>
@@ -1937,18 +2389,18 @@
               <a:buChar char=""/>
             </a:pPr>
             <a:r>
-              <a:rPr b="0" lang="en-US" sz="2800" spc="-1" strike="noStrike">
+              <a:rPr b="0" lang="en-US" sz="1800" spc="-1" strike="noStrike">
                 <a:latin typeface="Arial"/>
               </a:rPr>
               <a:t>2</a:t>
             </a:r>
             <a:r>
-              <a:rPr b="0" lang="en-US" sz="2800" spc="-1" strike="noStrike">
+              <a:rPr b="0" lang="en-US" sz="1800" spc="-1" strike="noStrike">
                 <a:latin typeface="Arial"/>
               </a:rPr>
               <a:t>レベル目のアウトライン</a:t>
             </a:r>
-            <a:endParaRPr b="0" lang="en-US" sz="2800" spc="-1" strike="noStrike">
+            <a:endParaRPr b="0" lang="en-US" sz="1800" spc="-1" strike="noStrike">
               <a:latin typeface="Arial"/>
             </a:endParaRPr>
           </a:p>
@@ -1965,18 +2417,18 @@
               <a:buChar char=""/>
             </a:pPr>
             <a:r>
-              <a:rPr b="0" lang="en-US" sz="2400" spc="-1" strike="noStrike">
+              <a:rPr b="0" lang="en-US" sz="1800" spc="-1" strike="noStrike">
                 <a:latin typeface="Arial"/>
               </a:rPr>
               <a:t>3</a:t>
             </a:r>
             <a:r>
-              <a:rPr b="0" lang="en-US" sz="2400" spc="-1" strike="noStrike">
+              <a:rPr b="0" lang="en-US" sz="1800" spc="-1" strike="noStrike">
                 <a:latin typeface="Arial"/>
               </a:rPr>
               <a:t>レベル目のアウトライン</a:t>
             </a:r>
-            <a:endParaRPr b="0" lang="en-US" sz="2400" spc="-1" strike="noStrike">
+            <a:endParaRPr b="0" lang="en-US" sz="1800" spc="-1" strike="noStrike">
               <a:latin typeface="Arial"/>
             </a:endParaRPr>
           </a:p>
@@ -1993,18 +2445,18 @@
               <a:buChar char=""/>
             </a:pPr>
             <a:r>
-              <a:rPr b="0" lang="en-US" sz="2000" spc="-1" strike="noStrike">
+              <a:rPr b="0" lang="en-US" sz="1800" spc="-1" strike="noStrike">
                 <a:latin typeface="Arial"/>
               </a:rPr>
               <a:t>4</a:t>
             </a:r>
             <a:r>
-              <a:rPr b="0" lang="en-US" sz="2000" spc="-1" strike="noStrike">
+              <a:rPr b="0" lang="en-US" sz="1800" spc="-1" strike="noStrike">
                 <a:latin typeface="Arial"/>
               </a:rPr>
               <a:t>レベル目のアウトライン</a:t>
             </a:r>
-            <a:endParaRPr b="0" lang="en-US" sz="2000" spc="-1" strike="noStrike">
+            <a:endParaRPr b="0" lang="en-US" sz="1800" spc="-1" strike="noStrike">
               <a:latin typeface="Arial"/>
             </a:endParaRPr>
           </a:p>
@@ -2021,18 +2473,18 @@
               <a:buChar char=""/>
             </a:pPr>
             <a:r>
-              <a:rPr b="0" lang="en-US" sz="2000" spc="-1" strike="noStrike">
+              <a:rPr b="0" lang="en-US" sz="1800" spc="-1" strike="noStrike">
                 <a:latin typeface="Arial"/>
               </a:rPr>
               <a:t>5</a:t>
             </a:r>
             <a:r>
-              <a:rPr b="0" lang="en-US" sz="2000" spc="-1" strike="noStrike">
+              <a:rPr b="0" lang="en-US" sz="1800" spc="-1" strike="noStrike">
                 <a:latin typeface="Arial"/>
               </a:rPr>
               <a:t>レベル目のアウトライン</a:t>
             </a:r>
-            <a:endParaRPr b="0" lang="en-US" sz="2000" spc="-1" strike="noStrike">
+            <a:endParaRPr b="0" lang="en-US" sz="1800" spc="-1" strike="noStrike">
               <a:latin typeface="Arial"/>
             </a:endParaRPr>
           </a:p>
@@ -2049,18 +2501,18 @@
               <a:buChar char=""/>
             </a:pPr>
             <a:r>
-              <a:rPr b="0" lang="en-US" sz="2000" spc="-1" strike="noStrike">
+              <a:rPr b="0" lang="en-US" sz="1800" spc="-1" strike="noStrike">
                 <a:latin typeface="Arial"/>
               </a:rPr>
               <a:t>6</a:t>
             </a:r>
             <a:r>
-              <a:rPr b="0" lang="en-US" sz="2000" spc="-1" strike="noStrike">
+              <a:rPr b="0" lang="en-US" sz="1800" spc="-1" strike="noStrike">
                 <a:latin typeface="Arial"/>
               </a:rPr>
               <a:t>レベル目のアウトライン</a:t>
             </a:r>
-            <a:endParaRPr b="0" lang="en-US" sz="2000" spc="-1" strike="noStrike">
+            <a:endParaRPr b="0" lang="en-US" sz="1800" spc="-1" strike="noStrike">
               <a:latin typeface="Arial"/>
             </a:endParaRPr>
           </a:p>
@@ -2077,18 +2529,18 @@
               <a:buChar char=""/>
             </a:pPr>
             <a:r>
-              <a:rPr b="0" lang="en-US" sz="2000" spc="-1" strike="noStrike">
+              <a:rPr b="0" lang="en-US" sz="1800" spc="-1" strike="noStrike">
                 <a:latin typeface="Arial"/>
               </a:rPr>
               <a:t>7</a:t>
             </a:r>
             <a:r>
-              <a:rPr b="0" lang="en-US" sz="2000" spc="-1" strike="noStrike">
+              <a:rPr b="0" lang="en-US" sz="1800" spc="-1" strike="noStrike">
                 <a:latin typeface="Arial"/>
               </a:rPr>
               <a:t>レベル目のアウトライン</a:t>
             </a:r>
-            <a:endParaRPr b="0" lang="en-US" sz="2000" spc="-1" strike="noStrike">
+            <a:endParaRPr b="0" lang="en-US" sz="1800" spc="-1" strike="noStrike">
               <a:latin typeface="Arial"/>
             </a:endParaRPr>
           </a:p>
@@ -2139,7 +2591,7 @@
         </p:nvGraphicFramePr>
         <p:xfrm>
           <a:off x="4872600" y="3648960"/>
-          <a:ext cx="4130640" cy="1907280"/>
+          <a:ext cx="4130280" cy="1906920"/>
         </p:xfrm>
         <a:graphic>
           <a:graphicData uri="http://schemas.openxmlformats.org/drawingml/2006/chart">
@@ -2156,7 +2608,7 @@
         <p:spPr>
           <a:xfrm>
             <a:off x="136080" y="176400"/>
-            <a:ext cx="9349920" cy="1286280"/>
+            <a:ext cx="9349560" cy="1285920"/>
           </a:xfrm>
           <a:prstGeom prst="rect">
             <a:avLst/>
@@ -2176,7 +2628,7 @@
         </p:style>
         <p:txBody>
           <a:bodyPr lIns="128160" rIns="128160" tIns="64080" bIns="64080" anchor="ctr">
-            <a:normAutofit fontScale="45000"/>
+            <a:normAutofit fontScale="44000"/>
           </a:bodyPr>
           <a:p>
             <a:pPr algn="ctr">
@@ -2190,6 +2642,7 @@
                   <a:srgbClr val="000000"/>
                 </a:solidFill>
                 <a:latin typeface="Arial"/>
+                <a:ea typeface="DejaVu Sans"/>
               </a:rPr>
               <a:t>A SDF-based modeling system for Unity</a:t>
             </a:r>
@@ -2200,6 +2653,7 @@
                   <a:srgbClr val="000000"/>
                 </a:solidFill>
                 <a:latin typeface="Arial"/>
+                <a:ea typeface="DejaVu Sans"/>
               </a:rPr>
               <a:t>距離関数モデリングシステム</a:t>
             </a:r>
@@ -2209,6 +2663,7 @@
                   <a:srgbClr val="000000"/>
                 </a:solidFill>
                 <a:latin typeface="Arial"/>
+                <a:ea typeface="DejaVu Sans"/>
               </a:rPr>
               <a:t>(</a:t>
             </a:r>
@@ -2218,6 +2673,7 @@
                   <a:srgbClr val="000000"/>
                 </a:solidFill>
                 <a:latin typeface="Arial"/>
+                <a:ea typeface="DejaVu Sans"/>
               </a:rPr>
               <a:t>仮</a:t>
             </a:r>
@@ -2227,6 +2683,7 @@
                   <a:srgbClr val="000000"/>
                 </a:solidFill>
                 <a:latin typeface="Arial"/>
+                <a:ea typeface="DejaVu Sans"/>
               </a:rPr>
               <a:t>)</a:t>
             </a:r>
@@ -2237,6 +2694,7 @@
                   <a:srgbClr val="000000"/>
                 </a:solidFill>
                 <a:latin typeface="Arial"/>
+                <a:ea typeface="DejaVu Sans"/>
               </a:rPr>
               <a:t>s1260201 Tomoki Chiba, Supervisor: Pierre-Alain Fayolle</a:t>
             </a:r>
@@ -2255,7 +2713,7 @@
         <p:spPr>
           <a:xfrm>
             <a:off x="120240" y="1434600"/>
-            <a:ext cx="4446000" cy="935280"/>
+            <a:ext cx="4445640" cy="934920"/>
           </a:xfrm>
           <a:prstGeom prst="rect">
             <a:avLst/>
@@ -2336,7 +2794,7 @@
         <p:spPr>
           <a:xfrm>
             <a:off x="120240" y="7245000"/>
-            <a:ext cx="3519000" cy="669600"/>
+            <a:ext cx="3518640" cy="669240"/>
           </a:xfrm>
           <a:prstGeom prst="rect">
             <a:avLst/>
@@ -2387,7 +2845,7 @@
         <p:spPr>
           <a:xfrm>
             <a:off x="4914360" y="1434600"/>
-            <a:ext cx="4522680" cy="715680"/>
+            <a:ext cx="4522320" cy="715320"/>
           </a:xfrm>
           <a:prstGeom prst="rect">
             <a:avLst/>
@@ -2438,7 +2896,7 @@
         <p:spPr>
           <a:xfrm>
             <a:off x="490680" y="11214360"/>
-            <a:ext cx="4001400" cy="1302480"/>
+            <a:ext cx="4001040" cy="1302120"/>
           </a:xfrm>
           <a:prstGeom prst="rect">
             <a:avLst/>
@@ -2499,7 +2957,7 @@
         <p:spPr>
           <a:xfrm>
             <a:off x="5130720" y="9826200"/>
-            <a:ext cx="4035960" cy="1545120"/>
+            <a:ext cx="4035600" cy="1544760"/>
           </a:xfrm>
           <a:prstGeom prst="rect">
             <a:avLst/>
@@ -2610,7 +3068,7 @@
         <p:spPr>
           <a:xfrm>
             <a:off x="336240" y="2226600"/>
-            <a:ext cx="3836880" cy="1869840"/>
+            <a:ext cx="3836520" cy="1869480"/>
           </a:xfrm>
           <a:prstGeom prst="rect">
             <a:avLst/>
@@ -2654,7 +3112,7 @@
             </a:endParaRPr>
           </a:p>
           <a:p>
-            <a:pPr marL="185760" indent="-185040">
+            <a:pPr marL="185760" indent="-184680">
               <a:lnSpc>
                 <a:spcPct val="100000"/>
               </a:lnSpc>
@@ -2679,7 +3137,7 @@
             </a:endParaRPr>
           </a:p>
           <a:p>
-            <a:pPr marL="185760" indent="-185040">
+            <a:pPr marL="185760" indent="-184680">
               <a:lnSpc>
                 <a:spcPct val="100000"/>
               </a:lnSpc>
@@ -2704,7 +3162,7 @@
             </a:endParaRPr>
           </a:p>
           <a:p>
-            <a:pPr marL="185760" indent="-185040">
+            <a:pPr marL="185760" indent="-184680">
               <a:lnSpc>
                 <a:spcPct val="100000"/>
               </a:lnSpc>
@@ -2729,7 +3187,7 @@
             </a:endParaRPr>
           </a:p>
           <a:p>
-            <a:pPr marL="185760" indent="-185040">
+            <a:pPr marL="185760" indent="-184680">
               <a:lnSpc>
                 <a:spcPct val="100000"/>
               </a:lnSpc>
@@ -2754,7 +3212,7 @@
             </a:endParaRPr>
           </a:p>
           <a:p>
-            <a:pPr marL="185760" indent="-185040">
+            <a:pPr marL="185760" indent="-184680">
               <a:lnSpc>
                 <a:spcPct val="100000"/>
               </a:lnSpc>
@@ -2789,7 +3247,7 @@
         <p:spPr>
           <a:xfrm>
             <a:off x="336240" y="7799400"/>
-            <a:ext cx="3959640" cy="3366720"/>
+            <a:ext cx="3959280" cy="3366360"/>
           </a:xfrm>
           <a:prstGeom prst="rect">
             <a:avLst/>
@@ -2833,7 +3291,7 @@
             </a:endParaRPr>
           </a:p>
           <a:p>
-            <a:pPr marL="185760" indent="-185040">
+            <a:pPr marL="185760" indent="-184680">
               <a:lnSpc>
                 <a:spcPts val="1800"/>
               </a:lnSpc>
@@ -2858,7 +3316,7 @@
             </a:endParaRPr>
           </a:p>
           <a:p>
-            <a:pPr marL="185760" indent="-185040">
+            <a:pPr marL="185760" indent="-184680">
               <a:lnSpc>
                 <a:spcPts val="1800"/>
               </a:lnSpc>
@@ -2883,7 +3341,7 @@
             </a:endParaRPr>
           </a:p>
           <a:p>
-            <a:pPr marL="185760" indent="-185040">
+            <a:pPr marL="185760" indent="-184680">
               <a:lnSpc>
                 <a:spcPts val="1800"/>
               </a:lnSpc>
@@ -3028,7 +3486,7 @@
         <p:spPr>
           <a:xfrm>
             <a:off x="5160600" y="1938600"/>
-            <a:ext cx="4006080" cy="1869840"/>
+            <a:ext cx="4005720" cy="1869480"/>
           </a:xfrm>
           <a:prstGeom prst="rect">
             <a:avLst/>
@@ -3072,7 +3530,7 @@
             </a:endParaRPr>
           </a:p>
           <a:p>
-            <a:pPr marL="185760" indent="-185040">
+            <a:pPr marL="185760" indent="-184680">
               <a:lnSpc>
                 <a:spcPct val="100000"/>
               </a:lnSpc>
@@ -3097,7 +3555,7 @@
             </a:endParaRPr>
           </a:p>
           <a:p>
-            <a:pPr marL="185760" indent="-185040">
+            <a:pPr marL="185760" indent="-184680">
               <a:lnSpc>
                 <a:spcPct val="100000"/>
               </a:lnSpc>
@@ -3122,7 +3580,7 @@
             </a:endParaRPr>
           </a:p>
           <a:p>
-            <a:pPr marL="185760" indent="-185040">
+            <a:pPr marL="185760" indent="-184680">
               <a:lnSpc>
                 <a:spcPct val="100000"/>
               </a:lnSpc>
@@ -3167,7 +3625,7 @@
         <p:spPr>
           <a:xfrm>
             <a:off x="4914360" y="11301840"/>
-            <a:ext cx="4414320" cy="512280"/>
+            <a:ext cx="4413960" cy="511920"/>
           </a:xfrm>
           <a:prstGeom prst="rect">
             <a:avLst/>
@@ -3218,7 +3676,7 @@
         <p:spPr>
           <a:xfrm>
             <a:off x="4907880" y="6970680"/>
-            <a:ext cx="4210200" cy="715680"/>
+            <a:ext cx="4209840" cy="715320"/>
           </a:xfrm>
           <a:prstGeom prst="rect">
             <a:avLst/>
@@ -3269,7 +3727,7 @@
         <p:spPr>
           <a:xfrm>
             <a:off x="5108400" y="7687080"/>
-            <a:ext cx="4182120" cy="2113200"/>
+            <a:ext cx="4181760" cy="2112840"/>
           </a:xfrm>
           <a:prstGeom prst="rect">
             <a:avLst/>
@@ -3313,7 +3771,7 @@
             </a:endParaRPr>
           </a:p>
           <a:p>
-            <a:pPr marL="185760" indent="-185040">
+            <a:pPr marL="185760" indent="-184680">
               <a:lnSpc>
                 <a:spcPct val="100000"/>
               </a:lnSpc>
@@ -3338,7 +3796,7 @@
             </a:endParaRPr>
           </a:p>
           <a:p>
-            <a:pPr marL="185760" indent="-185040">
+            <a:pPr marL="185760" indent="-184680">
               <a:lnSpc>
                 <a:spcPct val="100000"/>
               </a:lnSpc>
@@ -3363,7 +3821,7 @@
             </a:endParaRPr>
           </a:p>
           <a:p>
-            <a:pPr marL="185760" indent="-185040">
+            <a:pPr marL="185760" indent="-184680">
               <a:lnSpc>
                 <a:spcPct val="100000"/>
               </a:lnSpc>
@@ -3388,7 +3846,7 @@
             </a:endParaRPr>
           </a:p>
           <a:p>
-            <a:pPr marL="185760" indent="-185040">
+            <a:pPr marL="185760" indent="-184680">
               <a:lnSpc>
                 <a:spcPct val="100000"/>
               </a:lnSpc>
@@ -3413,7 +3871,7 @@
             </a:endParaRPr>
           </a:p>
           <a:p>
-            <a:pPr marL="185760" indent="-185040">
+            <a:pPr marL="185760" indent="-184680">
               <a:lnSpc>
                 <a:spcPct val="100000"/>
               </a:lnSpc>
@@ -3448,7 +3906,7 @@
         <p:spPr>
           <a:xfrm>
             <a:off x="5016600" y="5599440"/>
-            <a:ext cx="4035960" cy="1384200"/>
+            <a:ext cx="4035600" cy="1383840"/>
           </a:xfrm>
           <a:prstGeom prst="rect">
             <a:avLst/>
@@ -3537,7 +3995,7 @@
         <p:spPr>
           <a:xfrm>
             <a:off x="5160600" y="11656080"/>
-            <a:ext cx="4475520" cy="1063440"/>
+            <a:ext cx="4475160" cy="1063080"/>
           </a:xfrm>
           <a:prstGeom prst="rect">
             <a:avLst/>
@@ -3642,7 +4100,7 @@
         <p:spPr>
           <a:xfrm>
             <a:off x="8365680" y="1037880"/>
-            <a:ext cx="978120" cy="359280"/>
+            <a:ext cx="977760" cy="358920"/>
           </a:xfrm>
           <a:prstGeom prst="rect">
             <a:avLst/>
@@ -3733,7 +4191,7 @@
         <p:spPr>
           <a:xfrm>
             <a:off x="207000" y="4119480"/>
-            <a:ext cx="4448520" cy="3288600"/>
+            <a:ext cx="4448160" cy="3288240"/>
           </a:xfrm>
           <a:prstGeom prst="rect">
             <a:avLst/>
@@ -3784,7 +4242,7 @@
             </a:endParaRPr>
           </a:p>
           <a:p>
-            <a:pPr marL="179280" indent="-178560">
+            <a:pPr marL="179280" indent="-178200">
               <a:lnSpc>
                 <a:spcPct val="100000"/>
               </a:lnSpc>
@@ -3829,7 +4287,7 @@
             </a:endParaRPr>
           </a:p>
           <a:p>
-            <a:pPr marL="179280" indent="-178560">
+            <a:pPr marL="179280" indent="-178200">
               <a:lnSpc>
                 <a:spcPct val="100000"/>
               </a:lnSpc>
@@ -3874,7 +4332,7 @@
             </a:endParaRPr>
           </a:p>
           <a:p>
-            <a:pPr marL="179280" indent="-178560">
+            <a:pPr marL="179280" indent="-178200">
               <a:lnSpc>
                 <a:spcPct val="100000"/>
               </a:lnSpc>
@@ -3919,7 +4377,7 @@
             </a:endParaRPr>
           </a:p>
           <a:p>
-            <a:pPr marL="179280" indent="-178560">
+            <a:pPr marL="179280" indent="-178200">
               <a:lnSpc>
                 <a:spcPct val="100000"/>
               </a:lnSpc>
@@ -3944,7 +4402,7 @@
             </a:endParaRPr>
           </a:p>
           <a:p>
-            <a:pPr marL="179280" indent="-178560">
+            <a:pPr marL="179280" indent="-178200">
               <a:lnSpc>
                 <a:spcPct val="100000"/>
               </a:lnSpc>
@@ -3969,7 +4427,7 @@
             </a:endParaRPr>
           </a:p>
           <a:p>
-            <a:pPr marL="179280" indent="-178560">
+            <a:pPr marL="179280" indent="-178200">
               <a:lnSpc>
                 <a:spcPct val="100000"/>
               </a:lnSpc>
@@ -4004,7 +4462,7 @@
         <p:spPr>
           <a:xfrm>
             <a:off x="5016600" y="3580200"/>
-            <a:ext cx="4035960" cy="1914120"/>
+            <a:ext cx="4035600" cy="1913760"/>
           </a:xfrm>
           <a:prstGeom prst="rect">
             <a:avLst/>
@@ -4142,7 +4600,7 @@
         </p:nvGraphicFramePr>
         <p:xfrm>
           <a:off x="5378400" y="6096960"/>
-          <a:ext cx="3312720" cy="743400"/>
+          <a:ext cx="3312720" cy="869040"/>
         </p:xfrm>
         <a:graphic>
           <a:graphicData uri="http://schemas.openxmlformats.org/drawingml/2006/table">
@@ -4650,6 +5108,2397 @@
 </p:sld>
 </file>
 
+<file path=ppt/slides/slide2.xml><?xml version="1.0" encoding="utf-8"?>
+<p:sld xmlns:a="http://schemas.openxmlformats.org/drawingml/2006/main" xmlns:p="http://schemas.openxmlformats.org/presentationml/2006/main" xmlns:r="http://schemas.openxmlformats.org/officeDocument/2006/relationships" xmlns:p14="http://schemas.microsoft.com/office/powerpoint/2010/main" xmlns:p15="http://schemas.microsoft.com/office/powerpoint/2012/main" xmlns:mc="http://schemas.openxmlformats.org/markup-compatibility/2006">
+  <p:cSld>
+    <p:spTree>
+      <p:nvGrpSpPr>
+        <p:cNvPr id="1" name=""/>
+        <p:cNvGrpSpPr/>
+        <p:nvPr/>
+      </p:nvGrpSpPr>
+      <p:grpSpPr>
+        <a:xfrm>
+          <a:off x="0" y="0"/>
+          <a:ext cx="0" cy="0"/>
+          <a:chOff x="0" y="0"/>
+          <a:chExt cx="0" cy="0"/>
+        </a:xfrm>
+      </p:grpSpPr>
+      <p:graphicFrame>
+        <p:nvGraphicFramePr>
+          <p:cNvPr id="58" name="グラフ 23"/>
+          <p:cNvGraphicFramePr/>
+          <p:nvPr/>
+        </p:nvGraphicFramePr>
+        <p:xfrm>
+          <a:off x="4872600" y="3648960"/>
+          <a:ext cx="4130280" cy="1906920"/>
+        </p:xfrm>
+        <a:graphic>
+          <a:graphicData uri="http://schemas.openxmlformats.org/drawingml/2006/chart">
+            <c:chart xmlns:c="http://schemas.openxmlformats.org/drawingml/2006/chart" xmlns:r="http://schemas.openxmlformats.org/officeDocument/2006/relationships" r:id="rId1"/>
+          </a:graphicData>
+        </a:graphic>
+      </p:graphicFrame>
+      <p:sp>
+        <p:nvSpPr>
+          <p:cNvPr id="59" name="CustomShape 1"/>
+          <p:cNvSpPr/>
+          <p:nvPr/>
+        </p:nvSpPr>
+        <p:spPr>
+          <a:xfrm>
+            <a:off x="136080" y="176400"/>
+            <a:ext cx="9349560" cy="1285920"/>
+          </a:xfrm>
+          <a:prstGeom prst="rect">
+            <a:avLst/>
+          </a:prstGeom>
+          <a:noFill/>
+          <a:ln>
+            <a:solidFill>
+              <a:srgbClr val="000000"/>
+            </a:solidFill>
+          </a:ln>
+        </p:spPr>
+        <p:style>
+          <a:lnRef idx="0"/>
+          <a:fillRef idx="0"/>
+          <a:effectRef idx="0"/>
+          <a:fontRef idx="minor"/>
+        </p:style>
+        <p:txBody>
+          <a:bodyPr lIns="128160" rIns="128160" tIns="64080" bIns="64080" anchor="ctr">
+            <a:normAutofit fontScale="44000"/>
+          </a:bodyPr>
+          <a:p>
+            <a:pPr algn="ctr">
+              <a:lnSpc>
+                <a:spcPct val="100000"/>
+              </a:lnSpc>
+            </a:pPr>
+            <a:r>
+              <a:rPr b="0" lang="en-US" sz="4400" spc="-1" strike="noStrike">
+                <a:solidFill>
+                  <a:srgbClr val="000000"/>
+                </a:solidFill>
+                <a:latin typeface="Arial"/>
+                <a:ea typeface="DejaVu Sans"/>
+              </a:rPr>
+              <a:t>A SDF-based modeling system for Unity</a:t>
+            </a:r>
+            <a:br/>
+            <a:r>
+              <a:rPr b="0" lang="en-US" sz="2700" spc="-1" strike="noStrike">
+                <a:solidFill>
+                  <a:srgbClr val="000000"/>
+                </a:solidFill>
+                <a:latin typeface="Arial"/>
+                <a:ea typeface="DejaVu Sans"/>
+              </a:rPr>
+              <a:t>距離関数モデリングシステム</a:t>
+            </a:r>
+            <a:r>
+              <a:rPr b="0" lang="en-US" sz="2700" spc="-1" strike="noStrike">
+                <a:solidFill>
+                  <a:srgbClr val="000000"/>
+                </a:solidFill>
+                <a:latin typeface="Arial"/>
+                <a:ea typeface="DejaVu Sans"/>
+              </a:rPr>
+              <a:t>(</a:t>
+            </a:r>
+            <a:r>
+              <a:rPr b="0" lang="en-US" sz="2700" spc="-1" strike="noStrike">
+                <a:solidFill>
+                  <a:srgbClr val="000000"/>
+                </a:solidFill>
+                <a:latin typeface="Arial"/>
+                <a:ea typeface="DejaVu Sans"/>
+              </a:rPr>
+              <a:t>仮</a:t>
+            </a:r>
+            <a:r>
+              <a:rPr b="0" lang="en-US" sz="2700" spc="-1" strike="noStrike">
+                <a:solidFill>
+                  <a:srgbClr val="000000"/>
+                </a:solidFill>
+                <a:latin typeface="Arial"/>
+                <a:ea typeface="DejaVu Sans"/>
+              </a:rPr>
+              <a:t>)</a:t>
+            </a:r>
+            <a:br/>
+            <a:r>
+              <a:rPr b="0" lang="en-US" sz="2200" spc="-1" strike="noStrike">
+                <a:solidFill>
+                  <a:srgbClr val="000000"/>
+                </a:solidFill>
+                <a:latin typeface="Arial"/>
+                <a:ea typeface="DejaVu Sans"/>
+              </a:rPr>
+              <a:t>s1260201 Tomoki Chiba, Supervisor: Pierre-Alain Fayolle</a:t>
+            </a:r>
+            <a:endParaRPr b="0" lang="en-US" sz="2200" spc="-1" strike="noStrike">
+              <a:latin typeface="Arial"/>
+            </a:endParaRPr>
+          </a:p>
+        </p:txBody>
+      </p:sp>
+      <p:sp>
+        <p:nvSpPr>
+          <p:cNvPr id="60" name="CustomShape 2"/>
+          <p:cNvSpPr/>
+          <p:nvPr/>
+        </p:nvSpPr>
+        <p:spPr>
+          <a:xfrm>
+            <a:off x="120240" y="1434600"/>
+            <a:ext cx="4445640" cy="934920"/>
+          </a:xfrm>
+          <a:prstGeom prst="rect">
+            <a:avLst/>
+          </a:prstGeom>
+          <a:noFill/>
+          <a:ln>
+            <a:noFill/>
+          </a:ln>
+        </p:spPr>
+        <p:style>
+          <a:lnRef idx="0"/>
+          <a:fillRef idx="0"/>
+          <a:effectRef idx="0"/>
+          <a:fontRef idx="minor"/>
+        </p:style>
+        <p:txBody>
+          <a:bodyPr lIns="128160" rIns="128160" tIns="64080" bIns="64080" anchor="ctr">
+            <a:noAutofit/>
+          </a:bodyPr>
+          <a:p>
+            <a:pPr>
+              <a:lnSpc>
+                <a:spcPct val="100000"/>
+              </a:lnSpc>
+            </a:pPr>
+            <a:r>
+              <a:rPr b="0" lang="en-US" sz="2000" spc="-1" strike="noStrike">
+                <a:solidFill>
+                  <a:srgbClr val="000000"/>
+                </a:solidFill>
+                <a:latin typeface="Arial"/>
+                <a:ea typeface="DejaVu Sans"/>
+              </a:rPr>
+              <a:t>1. Introduction</a:t>
+            </a:r>
+            <a:endParaRPr b="0" lang="en-US" sz="2000" spc="-1" strike="noStrike">
+              <a:latin typeface="Arial"/>
+            </a:endParaRPr>
+          </a:p>
+        </p:txBody>
+      </p:sp>
+      <p:sp>
+        <p:nvSpPr>
+          <p:cNvPr id="61" name="CustomShape 3"/>
+          <p:cNvSpPr/>
+          <p:nvPr/>
+        </p:nvSpPr>
+        <p:spPr>
+          <a:xfrm>
+            <a:off x="120240" y="7245000"/>
+            <a:ext cx="3518640" cy="669240"/>
+          </a:xfrm>
+          <a:prstGeom prst="rect">
+            <a:avLst/>
+          </a:prstGeom>
+          <a:noFill/>
+          <a:ln>
+            <a:noFill/>
+          </a:ln>
+        </p:spPr>
+        <p:style>
+          <a:lnRef idx="0"/>
+          <a:fillRef idx="0"/>
+          <a:effectRef idx="0"/>
+          <a:fontRef idx="minor"/>
+        </p:style>
+        <p:txBody>
+          <a:bodyPr lIns="128160" rIns="128160" tIns="64080" bIns="64080" anchor="ctr">
+            <a:normAutofit/>
+          </a:bodyPr>
+          <a:p>
+            <a:pPr>
+              <a:lnSpc>
+                <a:spcPct val="100000"/>
+              </a:lnSpc>
+            </a:pPr>
+            <a:r>
+              <a:rPr b="0" lang="en-US" sz="2000" spc="-1" strike="noStrike">
+                <a:solidFill>
+                  <a:srgbClr val="000000"/>
+                </a:solidFill>
+                <a:latin typeface="Arial"/>
+                <a:ea typeface="DejaVu Sans"/>
+              </a:rPr>
+              <a:t>2.  Approach/Methodology</a:t>
+            </a:r>
+            <a:endParaRPr b="0" lang="en-US" sz="2000" spc="-1" strike="noStrike">
+              <a:latin typeface="Arial"/>
+            </a:endParaRPr>
+          </a:p>
+        </p:txBody>
+      </p:sp>
+      <p:sp>
+        <p:nvSpPr>
+          <p:cNvPr id="62" name="CustomShape 4"/>
+          <p:cNvSpPr/>
+          <p:nvPr/>
+        </p:nvSpPr>
+        <p:spPr>
+          <a:xfrm>
+            <a:off x="4914360" y="1434600"/>
+            <a:ext cx="4522320" cy="715320"/>
+          </a:xfrm>
+          <a:prstGeom prst="rect">
+            <a:avLst/>
+          </a:prstGeom>
+          <a:noFill/>
+          <a:ln>
+            <a:noFill/>
+          </a:ln>
+        </p:spPr>
+        <p:style>
+          <a:lnRef idx="0"/>
+          <a:fillRef idx="0"/>
+          <a:effectRef idx="0"/>
+          <a:fontRef idx="minor"/>
+        </p:style>
+        <p:txBody>
+          <a:bodyPr lIns="128160" rIns="128160" tIns="64080" bIns="64080" anchor="ctr">
+            <a:noAutofit/>
+          </a:bodyPr>
+          <a:p>
+            <a:pPr>
+              <a:lnSpc>
+                <a:spcPct val="100000"/>
+              </a:lnSpc>
+            </a:pPr>
+            <a:r>
+              <a:rPr b="0" lang="en-US" sz="2000" spc="-1" strike="noStrike">
+                <a:solidFill>
+                  <a:srgbClr val="000000"/>
+                </a:solidFill>
+                <a:latin typeface="Arial"/>
+                <a:ea typeface="DejaVu Sans"/>
+              </a:rPr>
+              <a:t>3. Current Results and Status</a:t>
+            </a:r>
+            <a:endParaRPr b="0" lang="en-US" sz="2000" spc="-1" strike="noStrike">
+              <a:latin typeface="Arial"/>
+            </a:endParaRPr>
+          </a:p>
+        </p:txBody>
+      </p:sp>
+      <p:sp>
+        <p:nvSpPr>
+          <p:cNvPr id="63" name="CustomShape 5"/>
+          <p:cNvSpPr/>
+          <p:nvPr/>
+        </p:nvSpPr>
+        <p:spPr>
+          <a:xfrm>
+            <a:off x="490680" y="11214360"/>
+            <a:ext cx="4001040" cy="1302120"/>
+          </a:xfrm>
+          <a:prstGeom prst="rect">
+            <a:avLst/>
+          </a:prstGeom>
+          <a:solidFill>
+            <a:schemeClr val="bg1"/>
+          </a:solidFill>
+          <a:ln w="9360">
+            <a:round/>
+          </a:ln>
+        </p:spPr>
+        <p:style>
+          <a:lnRef idx="2">
+            <a:schemeClr val="accent1">
+              <a:shade val="50000"/>
+            </a:schemeClr>
+          </a:lnRef>
+          <a:fillRef idx="1">
+            <a:schemeClr val="accent1"/>
+          </a:fillRef>
+          <a:effectRef idx="0">
+            <a:schemeClr val="accent1"/>
+          </a:effectRef>
+          <a:fontRef idx="minor"/>
+        </p:style>
+        <p:txBody>
+          <a:bodyPr lIns="90000" rIns="90000" tIns="45000" bIns="45000" anchor="ctr">
+            <a:noAutofit/>
+          </a:bodyPr>
+          <a:p>
+            <a:pPr algn="ctr">
+              <a:lnSpc>
+                <a:spcPct val="100000"/>
+              </a:lnSpc>
+            </a:pPr>
+            <a:r>
+              <a:rPr b="0" lang="en-US" sz="1600" spc="-1" strike="noStrike">
+                <a:solidFill>
+                  <a:srgbClr val="000000"/>
+                </a:solidFill>
+                <a:latin typeface="Arial"/>
+                <a:ea typeface="DejaVu Sans"/>
+              </a:rPr>
+              <a:t>Figures and Tables</a:t>
+            </a:r>
+            <a:endParaRPr b="0" lang="en-US" sz="1600" spc="-1" strike="noStrike">
+              <a:latin typeface="Arial"/>
+            </a:endParaRPr>
+          </a:p>
+        </p:txBody>
+      </p:sp>
+      <p:sp>
+        <p:nvSpPr>
+          <p:cNvPr id="64" name="CustomShape 6"/>
+          <p:cNvSpPr/>
+          <p:nvPr/>
+        </p:nvSpPr>
+        <p:spPr>
+          <a:xfrm>
+            <a:off x="5130720" y="9826200"/>
+            <a:ext cx="4035600" cy="1544760"/>
+          </a:xfrm>
+          <a:prstGeom prst="rect">
+            <a:avLst/>
+          </a:prstGeom>
+          <a:solidFill>
+            <a:schemeClr val="bg1"/>
+          </a:solidFill>
+          <a:ln w="9360">
+            <a:round/>
+          </a:ln>
+        </p:spPr>
+        <p:style>
+          <a:lnRef idx="2">
+            <a:schemeClr val="accent1">
+              <a:shade val="50000"/>
+            </a:schemeClr>
+          </a:lnRef>
+          <a:fillRef idx="1">
+            <a:schemeClr val="accent1"/>
+          </a:fillRef>
+          <a:effectRef idx="0">
+            <a:schemeClr val="accent1"/>
+          </a:effectRef>
+          <a:fontRef idx="minor"/>
+        </p:style>
+        <p:txBody>
+          <a:bodyPr lIns="90000" rIns="90000" tIns="45000" bIns="45000" anchor="ctr">
+            <a:noAutofit/>
+          </a:bodyPr>
+          <a:p>
+            <a:pPr algn="ctr">
+              <a:lnSpc>
+                <a:spcPct val="100000"/>
+              </a:lnSpc>
+            </a:pPr>
+            <a:r>
+              <a:rPr b="0" lang="en-US" sz="1600" spc="-1" strike="noStrike">
+                <a:solidFill>
+                  <a:srgbClr val="000000"/>
+                </a:solidFill>
+                <a:latin typeface="Arial"/>
+                <a:ea typeface="DejaVu Sans"/>
+              </a:rPr>
+              <a:t>Figures and Tables</a:t>
+            </a:r>
+            <a:endParaRPr b="0" lang="en-US" sz="1600" spc="-1" strike="noStrike">
+              <a:latin typeface="Arial"/>
+            </a:endParaRPr>
+          </a:p>
+          <a:p>
+            <a:pPr algn="ctr">
+              <a:lnSpc>
+                <a:spcPct val="100000"/>
+              </a:lnSpc>
+            </a:pPr>
+            <a:endParaRPr b="0" lang="en-US" sz="1600" spc="-1" strike="noStrike">
+              <a:latin typeface="Arial"/>
+            </a:endParaRPr>
+          </a:p>
+          <a:p>
+            <a:pPr algn="ctr">
+              <a:lnSpc>
+                <a:spcPct val="100000"/>
+              </a:lnSpc>
+            </a:pPr>
+            <a:r>
+              <a:rPr b="0" lang="en-US" sz="1600" spc="-1" strike="noStrike">
+                <a:solidFill>
+                  <a:srgbClr val="000000"/>
+                </a:solidFill>
+                <a:latin typeface="Arial"/>
+                <a:ea typeface="DejaVu Sans"/>
+              </a:rPr>
+              <a:t>Schedule (Gantt Chart)</a:t>
+            </a:r>
+            <a:endParaRPr b="0" lang="en-US" sz="1600" spc="-1" strike="noStrike">
+              <a:latin typeface="Arial"/>
+            </a:endParaRPr>
+          </a:p>
+          <a:p>
+            <a:pPr algn="ctr">
+              <a:lnSpc>
+                <a:spcPct val="100000"/>
+              </a:lnSpc>
+            </a:pPr>
+            <a:r>
+              <a:rPr b="0" lang="en-US" sz="1600" spc="-1" strike="noStrike">
+                <a:solidFill>
+                  <a:srgbClr val="000000"/>
+                </a:solidFill>
+                <a:latin typeface="Arial"/>
+                <a:ea typeface="DejaVu Sans"/>
+              </a:rPr>
+              <a:t>Include milestones</a:t>
+            </a:r>
+            <a:endParaRPr b="0" lang="en-US" sz="1600" spc="-1" strike="noStrike">
+              <a:latin typeface="Arial"/>
+            </a:endParaRPr>
+          </a:p>
+        </p:txBody>
+      </p:sp>
+      <p:sp>
+        <p:nvSpPr>
+          <p:cNvPr id="65" name="CustomShape 7"/>
+          <p:cNvSpPr/>
+          <p:nvPr/>
+        </p:nvSpPr>
+        <p:spPr>
+          <a:xfrm>
+            <a:off x="336240" y="2226600"/>
+            <a:ext cx="4464360" cy="1306440"/>
+          </a:xfrm>
+          <a:prstGeom prst="rect">
+            <a:avLst/>
+          </a:prstGeom>
+          <a:noFill/>
+          <a:ln>
+            <a:noFill/>
+          </a:ln>
+        </p:spPr>
+        <p:style>
+          <a:lnRef idx="0"/>
+          <a:fillRef idx="0"/>
+          <a:effectRef idx="0"/>
+          <a:fontRef idx="minor"/>
+        </p:style>
+        <p:txBody>
+          <a:bodyPr lIns="90000" rIns="90000" tIns="45000" bIns="45000">
+            <a:spAutoFit/>
+          </a:bodyPr>
+          <a:p>
+            <a:pPr>
+              <a:lnSpc>
+                <a:spcPct val="100000"/>
+              </a:lnSpc>
+              <a:spcAft>
+                <a:spcPts val="601"/>
+              </a:spcAft>
+            </a:pPr>
+            <a:r>
+              <a:rPr b="0" lang="en-US" sz="1600" spc="-1" strike="noStrike">
+                <a:latin typeface="Arial"/>
+                <a:ea typeface="DejaVu Sans"/>
+              </a:rPr>
+              <a:t> </a:t>
+            </a:r>
+            <a:r>
+              <a:rPr b="0" lang="en-US" sz="1600" spc="-1" strike="noStrike">
+                <a:latin typeface="Arial"/>
+                <a:ea typeface="DejaVu Sans"/>
+              </a:rPr>
+              <a:t>SDF(Signed Distance Field) modering is a better  method for rendering curves than polygon modering. In this research, I’ll implement SDF-based modeling system for beginners in Unity.</a:t>
+            </a:r>
+            <a:endParaRPr b="0" lang="en-US" sz="1600" spc="-1" strike="noStrike">
+              <a:latin typeface="Arial"/>
+            </a:endParaRPr>
+          </a:p>
+        </p:txBody>
+      </p:sp>
+      <p:sp>
+        <p:nvSpPr>
+          <p:cNvPr id="66" name="CustomShape 8"/>
+          <p:cNvSpPr/>
+          <p:nvPr/>
+        </p:nvSpPr>
+        <p:spPr>
+          <a:xfrm>
+            <a:off x="336240" y="7799400"/>
+            <a:ext cx="3959280" cy="3366360"/>
+          </a:xfrm>
+          <a:prstGeom prst="rect">
+            <a:avLst/>
+          </a:prstGeom>
+          <a:noFill/>
+          <a:ln>
+            <a:noFill/>
+          </a:ln>
+        </p:spPr>
+        <p:style>
+          <a:lnRef idx="0"/>
+          <a:fillRef idx="0"/>
+          <a:effectRef idx="0"/>
+          <a:fontRef idx="minor"/>
+        </p:style>
+        <p:txBody>
+          <a:bodyPr lIns="90000" rIns="90000" tIns="45000" bIns="45000">
+            <a:spAutoFit/>
+          </a:bodyPr>
+          <a:p>
+            <a:pPr>
+              <a:lnSpc>
+                <a:spcPts val="1800"/>
+              </a:lnSpc>
+              <a:spcAft>
+                <a:spcPts val="601"/>
+              </a:spcAft>
+            </a:pPr>
+            <a:r>
+              <a:rPr b="0" i="1" lang="en-US" sz="1600" spc="-1" strike="noStrike">
+                <a:solidFill>
+                  <a:srgbClr val="808080"/>
+                </a:solidFill>
+                <a:latin typeface="Arial"/>
+                <a:ea typeface="DejaVu Sans"/>
+              </a:rPr>
+              <a:t>In this section, please describe specific techniques or experimental strategies used in your research.</a:t>
+            </a:r>
+            <a:endParaRPr b="0" lang="en-US" sz="1600" spc="-1" strike="noStrike">
+              <a:latin typeface="Arial"/>
+            </a:endParaRPr>
+          </a:p>
+          <a:p>
+            <a:pPr marL="185760" indent="-184680">
+              <a:lnSpc>
+                <a:spcPts val="1800"/>
+              </a:lnSpc>
+              <a:buClr>
+                <a:srgbClr val="000000"/>
+              </a:buClr>
+              <a:buFont typeface="Arial"/>
+              <a:buChar char="•"/>
+            </a:pPr>
+            <a:r>
+              <a:rPr b="0" lang="en-US" sz="1600" spc="-1" strike="noStrike">
+                <a:solidFill>
+                  <a:srgbClr val="000000"/>
+                </a:solidFill>
+                <a:latin typeface="Arial"/>
+                <a:ea typeface="DejaVu Sans"/>
+              </a:rPr>
+              <a:t>How to solve the problem?</a:t>
+            </a:r>
+            <a:endParaRPr b="0" lang="en-US" sz="1600" spc="-1" strike="noStrike">
+              <a:latin typeface="Arial"/>
+            </a:endParaRPr>
+          </a:p>
+          <a:p>
+            <a:pPr marL="185760" indent="-184680">
+              <a:lnSpc>
+                <a:spcPts val="1800"/>
+              </a:lnSpc>
+              <a:buClr>
+                <a:srgbClr val="000000"/>
+              </a:buClr>
+              <a:buFont typeface="Arial"/>
+              <a:buChar char="•"/>
+            </a:pPr>
+            <a:r>
+              <a:rPr b="0" lang="en-US" sz="1600" spc="-1" strike="noStrike">
+                <a:solidFill>
+                  <a:srgbClr val="000000"/>
+                </a:solidFill>
+                <a:latin typeface="Arial"/>
+                <a:ea typeface="DejaVu Sans"/>
+              </a:rPr>
+              <a:t>Development, Experiment(s), Analysis, Research Directions, etc.</a:t>
+            </a:r>
+            <a:endParaRPr b="0" lang="en-US" sz="1600" spc="-1" strike="noStrike">
+              <a:latin typeface="Arial"/>
+            </a:endParaRPr>
+          </a:p>
+          <a:p>
+            <a:pPr marL="185760" indent="-184680">
+              <a:lnSpc>
+                <a:spcPts val="1800"/>
+              </a:lnSpc>
+              <a:buClr>
+                <a:srgbClr val="000000"/>
+              </a:buClr>
+              <a:buFont typeface="Arial"/>
+              <a:buChar char="•"/>
+            </a:pPr>
+            <a:r>
+              <a:rPr b="0" lang="en-US" sz="1600" spc="-1" strike="noStrike">
+                <a:solidFill>
+                  <a:srgbClr val="000000"/>
+                </a:solidFill>
+                <a:latin typeface="Arial"/>
+                <a:ea typeface="DejaVu Sans"/>
+              </a:rPr>
+              <a:t>For this study, XX was used to explore…</a:t>
+            </a:r>
+            <a:endParaRPr b="0" lang="en-US" sz="1600" spc="-1" strike="noStrike">
+              <a:latin typeface="Arial"/>
+            </a:endParaRPr>
+          </a:p>
+          <a:p>
+            <a:pPr>
+              <a:lnSpc>
+                <a:spcPts val="1800"/>
+              </a:lnSpc>
+            </a:pPr>
+            <a:endParaRPr b="0" lang="en-US" sz="1600" spc="-1" strike="noStrike">
+              <a:latin typeface="Arial"/>
+            </a:endParaRPr>
+          </a:p>
+          <a:p>
+            <a:pPr>
+              <a:lnSpc>
+                <a:spcPts val="1800"/>
+              </a:lnSpc>
+            </a:pPr>
+            <a:r>
+              <a:rPr b="0" lang="en-US" sz="1600" spc="-1" strike="noStrike">
+                <a:solidFill>
+                  <a:srgbClr val="000000"/>
+                </a:solidFill>
+                <a:latin typeface="Arial"/>
+                <a:ea typeface="DejaVu Sans"/>
+              </a:rPr>
+              <a:t>Include some sample sub-section titles;</a:t>
+            </a:r>
+            <a:endParaRPr b="0" lang="en-US" sz="1600" spc="-1" strike="noStrike">
+              <a:latin typeface="Arial"/>
+            </a:endParaRPr>
+          </a:p>
+          <a:p>
+            <a:pPr>
+              <a:lnSpc>
+                <a:spcPts val="1800"/>
+              </a:lnSpc>
+            </a:pPr>
+            <a:r>
+              <a:rPr b="0" lang="en-US" sz="1600" spc="-1" strike="noStrike">
+                <a:solidFill>
+                  <a:srgbClr val="000000"/>
+                </a:solidFill>
+                <a:latin typeface="Arial"/>
+                <a:ea typeface="DejaVu Sans"/>
+              </a:rPr>
+              <a:t>2.1 Development</a:t>
+            </a:r>
+            <a:endParaRPr b="0" lang="en-US" sz="1600" spc="-1" strike="noStrike">
+              <a:latin typeface="Arial"/>
+            </a:endParaRPr>
+          </a:p>
+          <a:p>
+            <a:pPr>
+              <a:lnSpc>
+                <a:spcPts val="1800"/>
+              </a:lnSpc>
+            </a:pPr>
+            <a:r>
+              <a:rPr b="0" lang="en-US" sz="1600" spc="-1" strike="noStrike">
+                <a:solidFill>
+                  <a:srgbClr val="000000"/>
+                </a:solidFill>
+                <a:latin typeface="Arial"/>
+                <a:ea typeface="DejaVu Sans"/>
+              </a:rPr>
+              <a:t>2.2 Requirements</a:t>
+            </a:r>
+            <a:endParaRPr b="0" lang="en-US" sz="1600" spc="-1" strike="noStrike">
+              <a:latin typeface="Arial"/>
+            </a:endParaRPr>
+          </a:p>
+          <a:p>
+            <a:pPr>
+              <a:lnSpc>
+                <a:spcPts val="1800"/>
+              </a:lnSpc>
+            </a:pPr>
+            <a:r>
+              <a:rPr b="0" lang="en-US" sz="1600" spc="-1" strike="noStrike">
+                <a:solidFill>
+                  <a:srgbClr val="000000"/>
+                </a:solidFill>
+                <a:latin typeface="Arial"/>
+                <a:ea typeface="DejaVu Sans"/>
+              </a:rPr>
+              <a:t>2.3 Design (Specifications)</a:t>
+            </a:r>
+            <a:endParaRPr b="0" lang="en-US" sz="1600" spc="-1" strike="noStrike">
+              <a:latin typeface="Arial"/>
+            </a:endParaRPr>
+          </a:p>
+          <a:p>
+            <a:pPr>
+              <a:lnSpc>
+                <a:spcPts val="1800"/>
+              </a:lnSpc>
+            </a:pPr>
+            <a:r>
+              <a:rPr b="0" lang="en-US" sz="1600" spc="-1" strike="noStrike">
+                <a:solidFill>
+                  <a:srgbClr val="000000"/>
+                </a:solidFill>
+                <a:latin typeface="Arial"/>
+                <a:ea typeface="DejaVu Sans"/>
+              </a:rPr>
+              <a:t>2.4 Evaluation, etc.</a:t>
+            </a:r>
+            <a:endParaRPr b="0" lang="en-US" sz="1600" spc="-1" strike="noStrike">
+              <a:latin typeface="Arial"/>
+            </a:endParaRPr>
+          </a:p>
+        </p:txBody>
+      </p:sp>
+      <p:sp>
+        <p:nvSpPr>
+          <p:cNvPr id="67" name="CustomShape 9"/>
+          <p:cNvSpPr/>
+          <p:nvPr/>
+        </p:nvSpPr>
+        <p:spPr>
+          <a:xfrm>
+            <a:off x="5160600" y="1938600"/>
+            <a:ext cx="4005720" cy="1869480"/>
+          </a:xfrm>
+          <a:prstGeom prst="rect">
+            <a:avLst/>
+          </a:prstGeom>
+          <a:noFill/>
+          <a:ln>
+            <a:noFill/>
+          </a:ln>
+        </p:spPr>
+        <p:style>
+          <a:lnRef idx="0"/>
+          <a:fillRef idx="0"/>
+          <a:effectRef idx="0"/>
+          <a:fontRef idx="minor"/>
+        </p:style>
+        <p:txBody>
+          <a:bodyPr lIns="90000" rIns="90000" tIns="45000" bIns="45000">
+            <a:spAutoFit/>
+          </a:bodyPr>
+          <a:p>
+            <a:pPr>
+              <a:lnSpc>
+                <a:spcPct val="100000"/>
+              </a:lnSpc>
+              <a:spcAft>
+                <a:spcPts val="601"/>
+              </a:spcAft>
+            </a:pPr>
+            <a:r>
+              <a:rPr b="0" i="1" lang="en-US" sz="1600" spc="-1" strike="noStrike">
+                <a:solidFill>
+                  <a:srgbClr val="7f7f7f"/>
+                </a:solidFill>
+                <a:latin typeface="Arial"/>
+                <a:ea typeface="DejaVu Sans"/>
+              </a:rPr>
+              <a:t>In this section, please report on the result of your preliminary study or describe current progress.</a:t>
+            </a:r>
+            <a:endParaRPr b="0" lang="en-US" sz="1600" spc="-1" strike="noStrike">
+              <a:latin typeface="Arial"/>
+            </a:endParaRPr>
+          </a:p>
+          <a:p>
+            <a:pPr marL="185760" indent="-184680">
+              <a:lnSpc>
+                <a:spcPct val="100000"/>
+              </a:lnSpc>
+              <a:buClr>
+                <a:srgbClr val="000000"/>
+              </a:buClr>
+              <a:buFont typeface="Arial"/>
+              <a:buChar char="•"/>
+            </a:pPr>
+            <a:r>
+              <a:rPr b="0" lang="en-US" sz="1600" spc="-1" strike="noStrike">
+                <a:solidFill>
+                  <a:srgbClr val="000000"/>
+                </a:solidFill>
+                <a:latin typeface="Arial"/>
+                <a:ea typeface="DejaVu Sans"/>
+              </a:rPr>
+              <a:t>Experimental/evaluation results</a:t>
+            </a:r>
+            <a:endParaRPr b="0" lang="en-US" sz="1600" spc="-1" strike="noStrike">
+              <a:latin typeface="Arial"/>
+            </a:endParaRPr>
+          </a:p>
+          <a:p>
+            <a:pPr marL="185760" indent="-184680">
+              <a:lnSpc>
+                <a:spcPct val="100000"/>
+              </a:lnSpc>
+              <a:buClr>
+                <a:srgbClr val="000000"/>
+              </a:buClr>
+              <a:buFont typeface="Arial"/>
+              <a:buChar char="•"/>
+            </a:pPr>
+            <a:r>
+              <a:rPr b="0" lang="en-US" sz="1600" spc="-1" strike="noStrike">
+                <a:solidFill>
+                  <a:srgbClr val="000000"/>
+                </a:solidFill>
+                <a:latin typeface="Arial"/>
+                <a:ea typeface="DejaVu Sans"/>
+              </a:rPr>
+              <a:t>Preliminary results indicate that…</a:t>
+            </a:r>
+            <a:endParaRPr b="0" lang="en-US" sz="1600" spc="-1" strike="noStrike">
+              <a:latin typeface="Arial"/>
+            </a:endParaRPr>
+          </a:p>
+          <a:p>
+            <a:pPr marL="185760" indent="-184680">
+              <a:lnSpc>
+                <a:spcPct val="100000"/>
+              </a:lnSpc>
+              <a:buClr>
+                <a:srgbClr val="000000"/>
+              </a:buClr>
+              <a:buFont typeface="Arial"/>
+              <a:buChar char="•"/>
+            </a:pPr>
+            <a:r>
+              <a:rPr b="0" lang="en-US" sz="1600" spc="-1" strike="noStrike">
+                <a:solidFill>
+                  <a:srgbClr val="000000"/>
+                </a:solidFill>
+                <a:latin typeface="Arial"/>
+                <a:ea typeface="DejaVu Sans"/>
+              </a:rPr>
+              <a:t>Progress of development/formulation</a:t>
+            </a:r>
+            <a:endParaRPr b="0" lang="en-US" sz="1600" spc="-1" strike="noStrike">
+              <a:latin typeface="Arial"/>
+            </a:endParaRPr>
+          </a:p>
+          <a:p>
+            <a:pPr>
+              <a:lnSpc>
+                <a:spcPct val="100000"/>
+              </a:lnSpc>
+            </a:pPr>
+            <a:endParaRPr b="0" lang="en-US" sz="1600" spc="-1" strike="noStrike">
+              <a:latin typeface="Arial"/>
+            </a:endParaRPr>
+          </a:p>
+        </p:txBody>
+      </p:sp>
+      <p:sp>
+        <p:nvSpPr>
+          <p:cNvPr id="68" name="CustomShape 10"/>
+          <p:cNvSpPr/>
+          <p:nvPr/>
+        </p:nvSpPr>
+        <p:spPr>
+          <a:xfrm>
+            <a:off x="4914360" y="11301840"/>
+            <a:ext cx="4413960" cy="511920"/>
+          </a:xfrm>
+          <a:prstGeom prst="rect">
+            <a:avLst/>
+          </a:prstGeom>
+          <a:noFill/>
+          <a:ln>
+            <a:noFill/>
+          </a:ln>
+        </p:spPr>
+        <p:style>
+          <a:lnRef idx="0"/>
+          <a:fillRef idx="0"/>
+          <a:effectRef idx="0"/>
+          <a:fontRef idx="minor"/>
+        </p:style>
+        <p:txBody>
+          <a:bodyPr lIns="128160" rIns="128160" tIns="64080" bIns="64080" anchor="ctr">
+            <a:noAutofit/>
+          </a:bodyPr>
+          <a:p>
+            <a:pPr>
+              <a:lnSpc>
+                <a:spcPct val="100000"/>
+              </a:lnSpc>
+            </a:pPr>
+            <a:r>
+              <a:rPr b="0" lang="en-US" sz="2000" spc="-1" strike="noStrike">
+                <a:solidFill>
+                  <a:srgbClr val="000000"/>
+                </a:solidFill>
+                <a:latin typeface="Arial"/>
+                <a:ea typeface="DejaVu Sans"/>
+              </a:rPr>
+              <a:t>References</a:t>
+            </a:r>
+            <a:endParaRPr b="0" lang="en-US" sz="2000" spc="-1" strike="noStrike">
+              <a:latin typeface="Arial"/>
+            </a:endParaRPr>
+          </a:p>
+        </p:txBody>
+      </p:sp>
+      <p:sp>
+        <p:nvSpPr>
+          <p:cNvPr id="69" name="CustomShape 11"/>
+          <p:cNvSpPr/>
+          <p:nvPr/>
+        </p:nvSpPr>
+        <p:spPr>
+          <a:xfrm>
+            <a:off x="4907880" y="6970680"/>
+            <a:ext cx="4209840" cy="715320"/>
+          </a:xfrm>
+          <a:prstGeom prst="rect">
+            <a:avLst/>
+          </a:prstGeom>
+          <a:noFill/>
+          <a:ln>
+            <a:noFill/>
+          </a:ln>
+        </p:spPr>
+        <p:style>
+          <a:lnRef idx="0"/>
+          <a:fillRef idx="0"/>
+          <a:effectRef idx="0"/>
+          <a:fontRef idx="minor"/>
+        </p:style>
+        <p:txBody>
+          <a:bodyPr lIns="128160" rIns="128160" tIns="64080" bIns="64080" anchor="ctr">
+            <a:noAutofit/>
+          </a:bodyPr>
+          <a:p>
+            <a:pPr>
+              <a:lnSpc>
+                <a:spcPct val="100000"/>
+              </a:lnSpc>
+            </a:pPr>
+            <a:r>
+              <a:rPr b="0" lang="en-US" sz="2000" spc="-1" strike="noStrike">
+                <a:solidFill>
+                  <a:srgbClr val="000000"/>
+                </a:solidFill>
+                <a:latin typeface="Arial"/>
+                <a:ea typeface="DejaVu Sans"/>
+              </a:rPr>
+              <a:t>4. Remaining Tasks and Tentative Schedule</a:t>
+            </a:r>
+            <a:endParaRPr b="0" lang="en-US" sz="2000" spc="-1" strike="noStrike">
+              <a:latin typeface="Arial"/>
+            </a:endParaRPr>
+          </a:p>
+        </p:txBody>
+      </p:sp>
+      <p:sp>
+        <p:nvSpPr>
+          <p:cNvPr id="70" name="CustomShape 12"/>
+          <p:cNvSpPr/>
+          <p:nvPr/>
+        </p:nvSpPr>
+        <p:spPr>
+          <a:xfrm>
+            <a:off x="5108400" y="7687080"/>
+            <a:ext cx="4181760" cy="2112840"/>
+          </a:xfrm>
+          <a:prstGeom prst="rect">
+            <a:avLst/>
+          </a:prstGeom>
+          <a:noFill/>
+          <a:ln>
+            <a:noFill/>
+          </a:ln>
+        </p:spPr>
+        <p:style>
+          <a:lnRef idx="0"/>
+          <a:fillRef idx="0"/>
+          <a:effectRef idx="0"/>
+          <a:fontRef idx="minor"/>
+        </p:style>
+        <p:txBody>
+          <a:bodyPr lIns="90000" rIns="90000" tIns="45000" bIns="45000">
+            <a:spAutoFit/>
+          </a:bodyPr>
+          <a:p>
+            <a:pPr>
+              <a:lnSpc>
+                <a:spcPct val="100000"/>
+              </a:lnSpc>
+              <a:spcAft>
+                <a:spcPts val="601"/>
+              </a:spcAft>
+            </a:pPr>
+            <a:r>
+              <a:rPr b="0" i="1" lang="en-US" sz="1600" spc="-1" strike="noStrike">
+                <a:solidFill>
+                  <a:srgbClr val="7f7f7f"/>
+                </a:solidFill>
+                <a:latin typeface="Arial"/>
+                <a:ea typeface="DejaVu Sans"/>
+              </a:rPr>
+              <a:t>In this section, please provide the tentative schedule (milestones) of your research. </a:t>
+            </a:r>
+            <a:endParaRPr b="0" lang="en-US" sz="1600" spc="-1" strike="noStrike">
+              <a:latin typeface="Arial"/>
+            </a:endParaRPr>
+          </a:p>
+          <a:p>
+            <a:pPr marL="185760" indent="-184680">
+              <a:lnSpc>
+                <a:spcPct val="100000"/>
+              </a:lnSpc>
+              <a:buClr>
+                <a:srgbClr val="000000"/>
+              </a:buClr>
+              <a:buFont typeface="Arial"/>
+              <a:buChar char="•"/>
+            </a:pPr>
+            <a:r>
+              <a:rPr b="0" lang="en-US" sz="1600" spc="-1" strike="noStrike">
+                <a:solidFill>
+                  <a:srgbClr val="000000"/>
+                </a:solidFill>
+                <a:latin typeface="Arial"/>
+                <a:ea typeface="DejaVu Sans"/>
+              </a:rPr>
+              <a:t>To-do list or Gantt Chart</a:t>
+            </a:r>
+            <a:endParaRPr b="0" lang="en-US" sz="1600" spc="-1" strike="noStrike">
+              <a:latin typeface="Arial"/>
+            </a:endParaRPr>
+          </a:p>
+          <a:p>
+            <a:pPr marL="185760" indent="-184680">
+              <a:lnSpc>
+                <a:spcPct val="100000"/>
+              </a:lnSpc>
+              <a:buClr>
+                <a:srgbClr val="000000"/>
+              </a:buClr>
+              <a:buFont typeface="Arial"/>
+              <a:buChar char="•"/>
+            </a:pPr>
+            <a:r>
+              <a:rPr b="0" lang="en-US" sz="1600" spc="-1" strike="noStrike">
+                <a:solidFill>
+                  <a:srgbClr val="000000"/>
+                </a:solidFill>
+                <a:latin typeface="Arial"/>
+                <a:ea typeface="DejaVu Sans"/>
+              </a:rPr>
+              <a:t>Remaining issues</a:t>
+            </a:r>
+            <a:endParaRPr b="0" lang="en-US" sz="1600" spc="-1" strike="noStrike">
+              <a:latin typeface="Arial"/>
+            </a:endParaRPr>
+          </a:p>
+          <a:p>
+            <a:pPr marL="185760" indent="-184680">
+              <a:lnSpc>
+                <a:spcPct val="100000"/>
+              </a:lnSpc>
+              <a:buClr>
+                <a:srgbClr val="000000"/>
+              </a:buClr>
+              <a:buFont typeface="Arial"/>
+              <a:buChar char="•"/>
+            </a:pPr>
+            <a:r>
+              <a:rPr b="0" lang="en-US" sz="1600" spc="-1" strike="noStrike">
+                <a:solidFill>
+                  <a:srgbClr val="000000"/>
+                </a:solidFill>
+                <a:latin typeface="Arial"/>
+                <a:ea typeface="DejaVu Sans"/>
+              </a:rPr>
+              <a:t>Milestones</a:t>
+            </a:r>
+            <a:endParaRPr b="0" lang="en-US" sz="1600" spc="-1" strike="noStrike">
+              <a:latin typeface="Arial"/>
+            </a:endParaRPr>
+          </a:p>
+          <a:p>
+            <a:pPr marL="185760" indent="-184680">
+              <a:lnSpc>
+                <a:spcPct val="100000"/>
+              </a:lnSpc>
+              <a:buClr>
+                <a:srgbClr val="000000"/>
+              </a:buClr>
+              <a:buFont typeface="Arial"/>
+              <a:buChar char="•"/>
+            </a:pPr>
+            <a:r>
+              <a:rPr b="0" lang="en-US" sz="1600" spc="-1" strike="noStrike">
+                <a:solidFill>
+                  <a:srgbClr val="000000"/>
+                </a:solidFill>
+                <a:latin typeface="Arial"/>
+                <a:ea typeface="DejaVu Sans"/>
+              </a:rPr>
+              <a:t>Alternative plans in case some problems occur</a:t>
+            </a:r>
+            <a:endParaRPr b="0" lang="en-US" sz="1600" spc="-1" strike="noStrike">
+              <a:latin typeface="Arial"/>
+            </a:endParaRPr>
+          </a:p>
+          <a:p>
+            <a:pPr marL="185760" indent="-184680">
+              <a:lnSpc>
+                <a:spcPct val="100000"/>
+              </a:lnSpc>
+              <a:buClr>
+                <a:srgbClr val="000000"/>
+              </a:buClr>
+              <a:buFont typeface="Arial"/>
+              <a:buChar char="•"/>
+            </a:pPr>
+            <a:r>
+              <a:rPr b="0" lang="en-US" sz="1600" spc="-1" strike="noStrike">
+                <a:solidFill>
+                  <a:srgbClr val="000000"/>
+                </a:solidFill>
+                <a:latin typeface="Arial"/>
+                <a:ea typeface="DejaVu Sans"/>
+              </a:rPr>
+              <a:t>Discussion (if any)</a:t>
+            </a:r>
+            <a:endParaRPr b="0" lang="en-US" sz="1600" spc="-1" strike="noStrike">
+              <a:latin typeface="Arial"/>
+            </a:endParaRPr>
+          </a:p>
+        </p:txBody>
+      </p:sp>
+      <p:sp>
+        <p:nvSpPr>
+          <p:cNvPr id="71" name="CustomShape 13"/>
+          <p:cNvSpPr/>
+          <p:nvPr/>
+        </p:nvSpPr>
+        <p:spPr>
+          <a:xfrm>
+            <a:off x="5016600" y="5599440"/>
+            <a:ext cx="4035600" cy="1383840"/>
+          </a:xfrm>
+          <a:prstGeom prst="rect">
+            <a:avLst/>
+          </a:prstGeom>
+          <a:noFill/>
+          <a:ln w="9360">
+            <a:round/>
+          </a:ln>
+        </p:spPr>
+        <p:style>
+          <a:lnRef idx="2">
+            <a:schemeClr val="accent1">
+              <a:shade val="50000"/>
+            </a:schemeClr>
+          </a:lnRef>
+          <a:fillRef idx="1">
+            <a:schemeClr val="accent1"/>
+          </a:fillRef>
+          <a:effectRef idx="0">
+            <a:schemeClr val="accent1"/>
+          </a:effectRef>
+          <a:fontRef idx="minor"/>
+        </p:style>
+        <p:txBody>
+          <a:bodyPr lIns="90000" rIns="90000" tIns="45000" bIns="45000" anchor="ctr">
+            <a:noAutofit/>
+          </a:bodyPr>
+          <a:p>
+            <a:pPr algn="ctr">
+              <a:lnSpc>
+                <a:spcPct val="100000"/>
+              </a:lnSpc>
+            </a:pPr>
+            <a:r>
+              <a:rPr b="0" lang="en-US" sz="1600" spc="-1" strike="noStrike">
+                <a:solidFill>
+                  <a:srgbClr val="000000"/>
+                </a:solidFill>
+                <a:latin typeface="Arial"/>
+                <a:ea typeface="DejaVu Sans"/>
+              </a:rPr>
+              <a:t>Table 1. Example of a table caption</a:t>
+            </a:r>
+            <a:endParaRPr b="0" lang="en-US" sz="1600" spc="-1" strike="noStrike">
+              <a:latin typeface="Arial"/>
+            </a:endParaRPr>
+          </a:p>
+          <a:p>
+            <a:pPr algn="ctr">
+              <a:lnSpc>
+                <a:spcPct val="100000"/>
+              </a:lnSpc>
+            </a:pPr>
+            <a:endParaRPr b="0" lang="en-US" sz="1600" spc="-1" strike="noStrike">
+              <a:latin typeface="Arial"/>
+            </a:endParaRPr>
+          </a:p>
+          <a:p>
+            <a:pPr algn="ctr">
+              <a:lnSpc>
+                <a:spcPct val="100000"/>
+              </a:lnSpc>
+            </a:pPr>
+            <a:endParaRPr b="0" lang="en-US" sz="1600" spc="-1" strike="noStrike">
+              <a:latin typeface="Arial"/>
+            </a:endParaRPr>
+          </a:p>
+          <a:p>
+            <a:pPr algn="ctr">
+              <a:lnSpc>
+                <a:spcPct val="100000"/>
+              </a:lnSpc>
+            </a:pPr>
+            <a:endParaRPr b="0" lang="en-US" sz="1600" spc="-1" strike="noStrike">
+              <a:latin typeface="Arial"/>
+            </a:endParaRPr>
+          </a:p>
+        </p:txBody>
+      </p:sp>
+      <p:sp>
+        <p:nvSpPr>
+          <p:cNvPr id="72" name="CustomShape 14"/>
+          <p:cNvSpPr/>
+          <p:nvPr/>
+        </p:nvSpPr>
+        <p:spPr>
+          <a:xfrm>
+            <a:off x="5160600" y="11656080"/>
+            <a:ext cx="4475160" cy="1063080"/>
+          </a:xfrm>
+          <a:prstGeom prst="rect">
+            <a:avLst/>
+          </a:prstGeom>
+          <a:noFill/>
+          <a:ln>
+            <a:noFill/>
+          </a:ln>
+        </p:spPr>
+        <p:style>
+          <a:lnRef idx="0"/>
+          <a:fillRef idx="0"/>
+          <a:effectRef idx="0"/>
+          <a:fontRef idx="minor"/>
+        </p:style>
+        <p:txBody>
+          <a:bodyPr lIns="90000" rIns="90000" tIns="45000" bIns="45000">
+            <a:spAutoFit/>
+          </a:bodyPr>
+          <a:p>
+            <a:pPr>
+              <a:lnSpc>
+                <a:spcPct val="100000"/>
+              </a:lnSpc>
+            </a:pPr>
+            <a:r>
+              <a:rPr b="0" lang="en-US" sz="1600" spc="-1" strike="noStrike">
+                <a:solidFill>
+                  <a:srgbClr val="000000"/>
+                </a:solidFill>
+                <a:latin typeface="Arial"/>
+                <a:ea typeface="DejaVu Sans"/>
+              </a:rPr>
+              <a:t>[1] Authors, “Paper title,” IEEE Trans. on Computer, vol. 11, no. 4, pp. nn–mm, April 2016. </a:t>
+            </a:r>
+            <a:endParaRPr b="0" lang="en-US" sz="1600" spc="-1" strike="noStrike">
+              <a:latin typeface="Arial"/>
+            </a:endParaRPr>
+          </a:p>
+          <a:p>
+            <a:pPr>
+              <a:lnSpc>
+                <a:spcPct val="100000"/>
+              </a:lnSpc>
+            </a:pPr>
+            <a:r>
+              <a:rPr b="0" lang="en-US" sz="1600" spc="-1" strike="noStrike">
+                <a:solidFill>
+                  <a:srgbClr val="000000"/>
+                </a:solidFill>
+                <a:latin typeface="Arial"/>
+                <a:ea typeface="DejaVu Sans"/>
+              </a:rPr>
+              <a:t>[2] author a, and author b, “ ….,” ….</a:t>
+            </a:r>
+            <a:endParaRPr b="0" lang="en-US" sz="1600" spc="-1" strike="noStrike">
+              <a:latin typeface="Arial"/>
+            </a:endParaRPr>
+          </a:p>
+        </p:txBody>
+      </p:sp>
+      <p:sp>
+        <p:nvSpPr>
+          <p:cNvPr id="73" name="Line 15"/>
+          <p:cNvSpPr/>
+          <p:nvPr/>
+        </p:nvSpPr>
+        <p:spPr>
+          <a:xfrm>
+            <a:off x="4800600" y="1434240"/>
+            <a:ext cx="360" cy="10907280"/>
+          </a:xfrm>
+          <a:prstGeom prst="line">
+            <a:avLst/>
+          </a:prstGeom>
+          <a:ln w="38160">
+            <a:solidFill>
+              <a:schemeClr val="accent1"/>
+            </a:solidFill>
+            <a:round/>
+          </a:ln>
+        </p:spPr>
+        <p:style>
+          <a:lnRef idx="1">
+            <a:schemeClr val="accent1"/>
+          </a:lnRef>
+          <a:fillRef idx="0">
+            <a:schemeClr val="accent1"/>
+          </a:fillRef>
+          <a:effectRef idx="0">
+            <a:schemeClr val="accent1"/>
+          </a:effectRef>
+          <a:fontRef idx="minor"/>
+        </p:style>
+      </p:sp>
+      <p:sp>
+        <p:nvSpPr>
+          <p:cNvPr id="74" name="CustomShape 16"/>
+          <p:cNvSpPr/>
+          <p:nvPr/>
+        </p:nvSpPr>
+        <p:spPr>
+          <a:xfrm>
+            <a:off x="8365680" y="1037880"/>
+            <a:ext cx="977760" cy="358920"/>
+          </a:xfrm>
+          <a:prstGeom prst="rect">
+            <a:avLst/>
+          </a:prstGeom>
+          <a:solidFill>
+            <a:srgbClr val="ffff00"/>
+          </a:solidFill>
+          <a:ln>
+            <a:round/>
+          </a:ln>
+        </p:spPr>
+        <p:style>
+          <a:lnRef idx="2">
+            <a:schemeClr val="accent1">
+              <a:shade val="50000"/>
+            </a:schemeClr>
+          </a:lnRef>
+          <a:fillRef idx="1">
+            <a:schemeClr val="accent1"/>
+          </a:fillRef>
+          <a:effectRef idx="0">
+            <a:schemeClr val="accent1"/>
+          </a:effectRef>
+          <a:fontRef idx="minor"/>
+        </p:style>
+        <p:txBody>
+          <a:bodyPr lIns="90000" rIns="90000" tIns="45000" bIns="45000" anchor="ctr">
+            <a:noAutofit/>
+          </a:bodyPr>
+          <a:p>
+            <a:pPr algn="ctr">
+              <a:lnSpc>
+                <a:spcPct val="100000"/>
+              </a:lnSpc>
+            </a:pPr>
+            <a:r>
+              <a:rPr b="0" lang="en-US" sz="1050" spc="-1" strike="noStrike">
+                <a:solidFill>
+                  <a:srgbClr val="000000"/>
+                </a:solidFill>
+                <a:latin typeface="Arial"/>
+                <a:ea typeface="DejaVu Sans"/>
+              </a:rPr>
+              <a:t>Ｓｅａｌ　</a:t>
+            </a:r>
+            <a:endParaRPr b="0" lang="en-US" sz="1050" spc="-1" strike="noStrike">
+              <a:latin typeface="Arial"/>
+            </a:endParaRPr>
+          </a:p>
+          <a:p>
+            <a:pPr algn="ctr">
+              <a:lnSpc>
+                <a:spcPct val="100000"/>
+              </a:lnSpc>
+            </a:pPr>
+            <a:r>
+              <a:rPr b="0" lang="en-US" sz="1050" spc="-1" strike="noStrike">
+                <a:solidFill>
+                  <a:srgbClr val="000000"/>
+                </a:solidFill>
+                <a:latin typeface="Arial"/>
+                <a:ea typeface="DejaVu Sans"/>
+              </a:rPr>
+              <a:t>or </a:t>
+            </a:r>
+            <a:r>
+              <a:rPr b="0" lang="en-US" sz="1050" spc="-1" strike="noStrike">
+                <a:solidFill>
+                  <a:srgbClr val="000000"/>
+                </a:solidFill>
+                <a:latin typeface="Arial"/>
+                <a:ea typeface="DejaVu Sans"/>
+              </a:rPr>
+              <a:t>Ｓｉｇｎａｔｕｒｅ</a:t>
+            </a:r>
+            <a:endParaRPr b="0" lang="en-US" sz="1050" spc="-1" strike="noStrike">
+              <a:latin typeface="Arial"/>
+            </a:endParaRPr>
+          </a:p>
+        </p:txBody>
+      </p:sp>
+      <p:sp>
+        <p:nvSpPr>
+          <p:cNvPr id="75" name="CustomShape 17"/>
+          <p:cNvSpPr/>
+          <p:nvPr/>
+        </p:nvSpPr>
+        <p:spPr>
+          <a:xfrm>
+            <a:off x="207000" y="4119480"/>
+            <a:ext cx="4448160" cy="3288240"/>
+          </a:xfrm>
+          <a:prstGeom prst="rect">
+            <a:avLst/>
+          </a:prstGeom>
+          <a:solidFill>
+            <a:srgbClr val="ffccff"/>
+          </a:solidFill>
+          <a:ln w="9360">
+            <a:round/>
+          </a:ln>
+        </p:spPr>
+        <p:style>
+          <a:lnRef idx="2">
+            <a:schemeClr val="accent1">
+              <a:shade val="50000"/>
+            </a:schemeClr>
+          </a:lnRef>
+          <a:fillRef idx="1">
+            <a:schemeClr val="accent1"/>
+          </a:fillRef>
+          <a:effectRef idx="0">
+            <a:schemeClr val="accent1"/>
+          </a:effectRef>
+          <a:fontRef idx="minor"/>
+        </p:style>
+        <p:txBody>
+          <a:bodyPr lIns="90000" rIns="90000" tIns="45000" bIns="45000" anchor="ctr">
+            <a:noAutofit/>
+          </a:bodyPr>
+          <a:p>
+            <a:pPr>
+              <a:lnSpc>
+                <a:spcPct val="100000"/>
+              </a:lnSpc>
+            </a:pPr>
+            <a:r>
+              <a:rPr b="0" lang="en-US" sz="2000" spc="-1" strike="noStrike">
+                <a:solidFill>
+                  <a:srgbClr val="000000"/>
+                </a:solidFill>
+                <a:latin typeface="Arial"/>
+                <a:ea typeface="DejaVu Sans"/>
+              </a:rPr>
+              <a:t>[NOTE]</a:t>
+            </a:r>
+            <a:endParaRPr b="0" lang="en-US" sz="2000" spc="-1" strike="noStrike">
+              <a:latin typeface="Arial"/>
+            </a:endParaRPr>
+          </a:p>
+          <a:p>
+            <a:pPr marL="179280" indent="-178200">
+              <a:lnSpc>
+                <a:spcPct val="100000"/>
+              </a:lnSpc>
+              <a:buClr>
+                <a:srgbClr val="000000"/>
+              </a:buClr>
+              <a:buFont typeface="Arial"/>
+              <a:buChar char="•"/>
+            </a:pPr>
+            <a:r>
+              <a:rPr b="0" i="1" lang="en-US" sz="1600" spc="-1" strike="noStrike">
+                <a:solidFill>
+                  <a:srgbClr val="000000"/>
+                </a:solidFill>
+                <a:latin typeface="Arial"/>
+                <a:ea typeface="DejaVu Sans"/>
+              </a:rPr>
+              <a:t>Font type</a:t>
+            </a:r>
+            <a:r>
+              <a:rPr b="0" lang="en-US" sz="1600" spc="-1" strike="noStrike">
+                <a:solidFill>
+                  <a:srgbClr val="000000"/>
+                </a:solidFill>
+                <a:latin typeface="Arial"/>
+                <a:ea typeface="DejaVu Sans"/>
+              </a:rPr>
+              <a:t>:</a:t>
+            </a:r>
+            <a:r>
+              <a:rPr b="0" i="1" lang="en-US" sz="1600" spc="-1" strike="noStrike">
+                <a:solidFill>
+                  <a:srgbClr val="000000"/>
+                </a:solidFill>
+                <a:latin typeface="Arial"/>
+                <a:ea typeface="DejaVu Sans"/>
+              </a:rPr>
+              <a:t> “Arial” or similar fonts </a:t>
+            </a:r>
+            <a:endParaRPr b="0" lang="en-US" sz="1600" spc="-1" strike="noStrike">
+              <a:latin typeface="Arial"/>
+            </a:endParaRPr>
+          </a:p>
+          <a:p>
+            <a:pPr marL="179280" indent="-178200">
+              <a:lnSpc>
+                <a:spcPct val="100000"/>
+              </a:lnSpc>
+              <a:buClr>
+                <a:srgbClr val="000000"/>
+              </a:buClr>
+              <a:buFont typeface="Arial"/>
+              <a:buChar char="•"/>
+            </a:pPr>
+            <a:r>
+              <a:rPr b="0" i="1" lang="en-US" sz="1600" spc="-1" strike="noStrike">
+                <a:solidFill>
+                  <a:srgbClr val="000000"/>
+                </a:solidFill>
+                <a:latin typeface="Arial"/>
+                <a:ea typeface="DejaVu Sans"/>
+              </a:rPr>
+              <a:t>Font size</a:t>
+            </a:r>
+            <a:r>
+              <a:rPr b="0" lang="en-US" sz="1600" spc="-1" strike="noStrike">
+                <a:solidFill>
+                  <a:srgbClr val="000000"/>
+                </a:solidFill>
+                <a:latin typeface="Arial"/>
+                <a:ea typeface="DejaVu Sans"/>
+              </a:rPr>
+              <a:t>: </a:t>
+            </a:r>
+            <a:r>
+              <a:rPr b="0" i="1" lang="en-US" sz="1600" spc="-1" strike="noStrike">
+                <a:solidFill>
+                  <a:srgbClr val="000000"/>
+                </a:solidFill>
+                <a:latin typeface="Arial"/>
+                <a:ea typeface="DejaVu Sans"/>
+              </a:rPr>
+              <a:t>16 pt or larger</a:t>
+            </a:r>
+            <a:endParaRPr b="0" lang="en-US" sz="1600" spc="-1" strike="noStrike">
+              <a:latin typeface="Arial"/>
+            </a:endParaRPr>
+          </a:p>
+          <a:p>
+            <a:pPr marL="179280" indent="-178200">
+              <a:lnSpc>
+                <a:spcPct val="100000"/>
+              </a:lnSpc>
+              <a:buClr>
+                <a:srgbClr val="000000"/>
+              </a:buClr>
+              <a:buFont typeface="Arial"/>
+              <a:buChar char="•"/>
+            </a:pPr>
+            <a:r>
+              <a:rPr b="0" i="1" lang="en-US" sz="1600" spc="-1" strike="noStrike">
+                <a:solidFill>
+                  <a:srgbClr val="000000"/>
+                </a:solidFill>
+                <a:latin typeface="Arial"/>
+                <a:ea typeface="DejaVu Sans"/>
+              </a:rPr>
+              <a:t>Style</a:t>
+            </a:r>
+            <a:r>
+              <a:rPr b="0" lang="en-US" sz="1600" spc="-1" strike="noStrike">
+                <a:solidFill>
+                  <a:srgbClr val="000000"/>
+                </a:solidFill>
+                <a:latin typeface="Arial"/>
+                <a:ea typeface="DejaVu Sans"/>
+              </a:rPr>
+              <a:t>:</a:t>
+            </a:r>
+            <a:r>
+              <a:rPr b="0" i="1" lang="en-US" sz="1600" spc="-1" strike="noStrike">
+                <a:solidFill>
+                  <a:srgbClr val="000000"/>
+                </a:solidFill>
+                <a:latin typeface="Arial"/>
+                <a:ea typeface="DejaVu Sans"/>
+              </a:rPr>
+              <a:t> Double column &amp; short summary style</a:t>
+            </a:r>
+            <a:endParaRPr b="0" lang="en-US" sz="1600" spc="-1" strike="noStrike">
+              <a:latin typeface="Arial"/>
+            </a:endParaRPr>
+          </a:p>
+          <a:p>
+            <a:pPr marL="179280" indent="-178200">
+              <a:lnSpc>
+                <a:spcPct val="100000"/>
+              </a:lnSpc>
+              <a:buClr>
+                <a:srgbClr val="000000"/>
+              </a:buClr>
+              <a:buFont typeface="Arial"/>
+              <a:buChar char="•"/>
+            </a:pPr>
+            <a:r>
+              <a:rPr b="0" i="1" lang="en-US" sz="1600" spc="-1" strike="noStrike">
+                <a:solidFill>
+                  <a:srgbClr val="000000"/>
+                </a:solidFill>
+                <a:latin typeface="Arial"/>
+                <a:ea typeface="DejaVu Sans"/>
+              </a:rPr>
+              <a:t>Do not need to follow this template strictly, but all sections shown in this template must at least be included.</a:t>
+            </a:r>
+            <a:endParaRPr b="0" lang="en-US" sz="1600" spc="-1" strike="noStrike">
+              <a:latin typeface="Arial"/>
+            </a:endParaRPr>
+          </a:p>
+          <a:p>
+            <a:pPr marL="179280" indent="-178200">
+              <a:lnSpc>
+                <a:spcPct val="100000"/>
+              </a:lnSpc>
+              <a:buClr>
+                <a:srgbClr val="000000"/>
+              </a:buClr>
+              <a:buFont typeface="Arial"/>
+              <a:buChar char="•"/>
+            </a:pPr>
+            <a:r>
+              <a:rPr b="0" i="1" lang="en-US" sz="1600" spc="-1" strike="noStrike">
+                <a:solidFill>
+                  <a:srgbClr val="000000"/>
+                </a:solidFill>
+                <a:latin typeface="Arial"/>
+                <a:ea typeface="DejaVu Sans"/>
+              </a:rPr>
+              <a:t>Do not need to use complete sentences, but make sure that your ideas written in this poster are clear enough to be understood without an oral presentation.</a:t>
+            </a:r>
+            <a:endParaRPr b="0" lang="en-US" sz="1600" spc="-1" strike="noStrike">
+              <a:latin typeface="Arial"/>
+            </a:endParaRPr>
+          </a:p>
+          <a:p>
+            <a:pPr marL="179280" indent="-178200">
+              <a:lnSpc>
+                <a:spcPct val="100000"/>
+              </a:lnSpc>
+              <a:buClr>
+                <a:srgbClr val="000000"/>
+              </a:buClr>
+              <a:buFont typeface="Arial"/>
+              <a:buChar char="•"/>
+            </a:pPr>
+            <a:r>
+              <a:rPr b="0" i="1" lang="en-US" sz="1600" spc="-1" strike="noStrike">
+                <a:solidFill>
+                  <a:srgbClr val="000000"/>
+                </a:solidFill>
+                <a:latin typeface="Arial"/>
+                <a:ea typeface="DejaVu Sans"/>
+              </a:rPr>
+              <a:t>Your supervisor must place his/her seal or signature at the top-right corner.</a:t>
+            </a:r>
+            <a:endParaRPr b="0" lang="en-US" sz="1600" spc="-1" strike="noStrike">
+              <a:latin typeface="Arial"/>
+            </a:endParaRPr>
+          </a:p>
+        </p:txBody>
+      </p:sp>
+      <p:sp>
+        <p:nvSpPr>
+          <p:cNvPr id="76" name="CustomShape 18"/>
+          <p:cNvSpPr/>
+          <p:nvPr/>
+        </p:nvSpPr>
+        <p:spPr>
+          <a:xfrm>
+            <a:off x="5016600" y="3580200"/>
+            <a:ext cx="4035600" cy="1913760"/>
+          </a:xfrm>
+          <a:prstGeom prst="rect">
+            <a:avLst/>
+          </a:prstGeom>
+          <a:noFill/>
+          <a:ln w="9360">
+            <a:round/>
+          </a:ln>
+        </p:spPr>
+        <p:style>
+          <a:lnRef idx="2">
+            <a:schemeClr val="accent1">
+              <a:shade val="50000"/>
+            </a:schemeClr>
+          </a:lnRef>
+          <a:fillRef idx="1">
+            <a:schemeClr val="accent1"/>
+          </a:fillRef>
+          <a:effectRef idx="0">
+            <a:schemeClr val="accent1"/>
+          </a:effectRef>
+          <a:fontRef idx="minor"/>
+        </p:style>
+        <p:txBody>
+          <a:bodyPr lIns="90000" rIns="90000" tIns="45000" bIns="45000" anchor="ctr">
+            <a:noAutofit/>
+          </a:bodyPr>
+          <a:p>
+            <a:pPr algn="ctr">
+              <a:lnSpc>
+                <a:spcPct val="100000"/>
+              </a:lnSpc>
+            </a:pPr>
+            <a:endParaRPr b="0" lang="en-US" sz="1800" spc="-1" strike="noStrike">
+              <a:latin typeface="Arial"/>
+            </a:endParaRPr>
+          </a:p>
+          <a:p>
+            <a:pPr algn="ctr">
+              <a:lnSpc>
+                <a:spcPct val="100000"/>
+              </a:lnSpc>
+            </a:pPr>
+            <a:endParaRPr b="0" lang="en-US" sz="1800" spc="-1" strike="noStrike">
+              <a:latin typeface="Arial"/>
+            </a:endParaRPr>
+          </a:p>
+          <a:p>
+            <a:pPr algn="ctr">
+              <a:lnSpc>
+                <a:spcPct val="100000"/>
+              </a:lnSpc>
+            </a:pPr>
+            <a:endParaRPr b="0" lang="en-US" sz="1800" spc="-1" strike="noStrike">
+              <a:latin typeface="Arial"/>
+            </a:endParaRPr>
+          </a:p>
+          <a:p>
+            <a:pPr algn="ctr">
+              <a:lnSpc>
+                <a:spcPct val="100000"/>
+              </a:lnSpc>
+            </a:pPr>
+            <a:endParaRPr b="0" lang="en-US" sz="1800" spc="-1" strike="noStrike">
+              <a:latin typeface="Arial"/>
+            </a:endParaRPr>
+          </a:p>
+          <a:p>
+            <a:pPr algn="ctr">
+              <a:lnSpc>
+                <a:spcPct val="100000"/>
+              </a:lnSpc>
+            </a:pPr>
+            <a:endParaRPr b="0" lang="en-US" sz="1800" spc="-1" strike="noStrike">
+              <a:latin typeface="Arial"/>
+            </a:endParaRPr>
+          </a:p>
+          <a:p>
+            <a:pPr algn="ctr">
+              <a:lnSpc>
+                <a:spcPct val="100000"/>
+              </a:lnSpc>
+            </a:pPr>
+            <a:endParaRPr b="0" lang="en-US" sz="1800" spc="-1" strike="noStrike">
+              <a:latin typeface="Arial"/>
+            </a:endParaRPr>
+          </a:p>
+          <a:p>
+            <a:pPr algn="ctr">
+              <a:lnSpc>
+                <a:spcPct val="100000"/>
+              </a:lnSpc>
+            </a:pPr>
+            <a:endParaRPr b="0" lang="en-US" sz="1800" spc="-1" strike="noStrike">
+              <a:latin typeface="Arial"/>
+            </a:endParaRPr>
+          </a:p>
+          <a:p>
+            <a:pPr algn="ctr">
+              <a:lnSpc>
+                <a:spcPct val="100000"/>
+              </a:lnSpc>
+            </a:pPr>
+            <a:endParaRPr b="0" lang="en-US" sz="1800" spc="-1" strike="noStrike">
+              <a:latin typeface="Arial"/>
+            </a:endParaRPr>
+          </a:p>
+          <a:p>
+            <a:pPr algn="ctr">
+              <a:lnSpc>
+                <a:spcPct val="100000"/>
+              </a:lnSpc>
+            </a:pPr>
+            <a:r>
+              <a:rPr b="0" lang="en-US" sz="1600" spc="-1" strike="noStrike">
+                <a:solidFill>
+                  <a:srgbClr val="000000"/>
+                </a:solidFill>
+                <a:latin typeface="Arial"/>
+                <a:ea typeface="DejaVu Sans"/>
+              </a:rPr>
+              <a:t>Fig. 1. Example of a figure caption</a:t>
+            </a:r>
+            <a:endParaRPr b="0" lang="en-US" sz="1600" spc="-1" strike="noStrike">
+              <a:latin typeface="Arial"/>
+            </a:endParaRPr>
+          </a:p>
+        </p:txBody>
+      </p:sp>
+      <p:graphicFrame>
+        <p:nvGraphicFramePr>
+          <p:cNvPr id="77" name="Table 19"/>
+          <p:cNvGraphicFramePr/>
+          <p:nvPr/>
+        </p:nvGraphicFramePr>
+        <p:xfrm>
+          <a:off x="5378400" y="6096960"/>
+          <a:ext cx="3312720" cy="869040"/>
+        </p:xfrm>
+        <a:graphic>
+          <a:graphicData uri="http://schemas.openxmlformats.org/drawingml/2006/table">
+            <a:tbl>
+              <a:tblPr/>
+              <a:tblGrid>
+                <a:gridCol w="957960"/>
+                <a:gridCol w="1152000"/>
+                <a:gridCol w="1203120"/>
+              </a:tblGrid>
+              <a:tr h="289800">
+                <a:tc>
+                  <a:txBody>
+                    <a:bodyPr lIns="47160" rIns="47160">
+                      <a:noAutofit/>
+                    </a:bodyPr>
+                    <a:p>
+                      <a:pPr algn="ctr">
+                        <a:lnSpc>
+                          <a:spcPct val="100000"/>
+                        </a:lnSpc>
+                      </a:pPr>
+                      <a:r>
+                        <a:rPr b="0" lang="en-US" sz="1300" spc="-1" strike="noStrike">
+                          <a:solidFill>
+                            <a:srgbClr val="000000"/>
+                          </a:solidFill>
+                          <a:latin typeface="Calibri"/>
+                        </a:rPr>
+                        <a:t>Condition</a:t>
+                      </a:r>
+                      <a:endParaRPr b="0" lang="en-US" sz="1300" spc="-1" strike="noStrike">
+                        <a:latin typeface="Times New Roman"/>
+                      </a:endParaRPr>
+                    </a:p>
+                  </a:txBody>
+                  <a:tcPr marL="47160" marR="47160">
+                    <a:lnL w="12240">
+                      <a:noFill/>
+                    </a:lnL>
+                    <a:lnR w="12240">
+                      <a:solidFill>
+                        <a:srgbClr val="000000"/>
+                      </a:solidFill>
+                    </a:lnR>
+                    <a:lnT w="12240">
+                      <a:solidFill>
+                        <a:srgbClr val="000000"/>
+                      </a:solidFill>
+                    </a:lnT>
+                    <a:lnB w="28080">
+                      <a:solidFill>
+                        <a:srgbClr val="000000"/>
+                      </a:solidFill>
+                    </a:lnB>
+                    <a:noFill/>
+                  </a:tcPr>
+                </a:tc>
+                <a:tc>
+                  <a:txBody>
+                    <a:bodyPr lIns="47160" rIns="47160">
+                      <a:noAutofit/>
+                    </a:bodyPr>
+                    <a:p>
+                      <a:pPr algn="ctr">
+                        <a:lnSpc>
+                          <a:spcPct val="100000"/>
+                        </a:lnSpc>
+                      </a:pPr>
+                      <a:r>
+                        <a:rPr b="0" lang="en-US" sz="1300" spc="-1" strike="noStrike">
+                          <a:solidFill>
+                            <a:srgbClr val="000000"/>
+                          </a:solidFill>
+                          <a:latin typeface="Calibri"/>
+                        </a:rPr>
+                        <a:t>Algorithm 1</a:t>
+                      </a:r>
+                      <a:endParaRPr b="0" lang="en-US" sz="1300" spc="-1" strike="noStrike">
+                        <a:latin typeface="Times New Roman"/>
+                      </a:endParaRPr>
+                    </a:p>
+                  </a:txBody>
+                  <a:tcPr marL="47160" marR="47160">
+                    <a:lnL w="12240">
+                      <a:solidFill>
+                        <a:srgbClr val="000000"/>
+                      </a:solidFill>
+                    </a:lnL>
+                    <a:lnR w="12240">
+                      <a:solidFill>
+                        <a:srgbClr val="000000"/>
+                      </a:solidFill>
+                    </a:lnR>
+                    <a:lnT w="12240">
+                      <a:solidFill>
+                        <a:srgbClr val="000000"/>
+                      </a:solidFill>
+                    </a:lnT>
+                    <a:lnB w="28080">
+                      <a:solidFill>
+                        <a:srgbClr val="000000"/>
+                      </a:solidFill>
+                    </a:lnB>
+                    <a:noFill/>
+                  </a:tcPr>
+                </a:tc>
+                <a:tc>
+                  <a:txBody>
+                    <a:bodyPr lIns="47160" rIns="47160">
+                      <a:noAutofit/>
+                    </a:bodyPr>
+                    <a:p>
+                      <a:pPr algn="ctr">
+                        <a:lnSpc>
+                          <a:spcPct val="100000"/>
+                        </a:lnSpc>
+                      </a:pPr>
+                      <a:r>
+                        <a:rPr b="0" lang="en-US" sz="1300" spc="-1" strike="noStrike">
+                          <a:solidFill>
+                            <a:srgbClr val="000000"/>
+                          </a:solidFill>
+                          <a:latin typeface="Calibri"/>
+                        </a:rPr>
+                        <a:t>Algorithm 2</a:t>
+                      </a:r>
+                      <a:endParaRPr b="0" lang="en-US" sz="1300" spc="-1" strike="noStrike">
+                        <a:latin typeface="Times New Roman"/>
+                      </a:endParaRPr>
+                    </a:p>
+                  </a:txBody>
+                  <a:tcPr marL="47160" marR="47160">
+                    <a:lnL w="12240">
+                      <a:solidFill>
+                        <a:srgbClr val="000000"/>
+                      </a:solidFill>
+                    </a:lnL>
+                    <a:lnR w="12240">
+                      <a:noFill/>
+                    </a:lnR>
+                    <a:lnT w="12240">
+                      <a:solidFill>
+                        <a:srgbClr val="000000"/>
+                      </a:solidFill>
+                    </a:lnT>
+                    <a:lnB w="28080">
+                      <a:solidFill>
+                        <a:srgbClr val="000000"/>
+                      </a:solidFill>
+                    </a:lnB>
+                    <a:noFill/>
+                  </a:tcPr>
+                </a:tc>
+              </a:tr>
+              <a:tr h="289800">
+                <a:tc>
+                  <a:txBody>
+                    <a:bodyPr lIns="47160" rIns="47160">
+                      <a:noAutofit/>
+                    </a:bodyPr>
+                    <a:p>
+                      <a:pPr algn="ctr">
+                        <a:lnSpc>
+                          <a:spcPct val="100000"/>
+                        </a:lnSpc>
+                      </a:pPr>
+                      <a:r>
+                        <a:rPr b="0" lang="en-US" sz="1300" spc="-1" strike="noStrike">
+                          <a:solidFill>
+                            <a:srgbClr val="000000"/>
+                          </a:solidFill>
+                          <a:latin typeface="Calibri"/>
+                        </a:rPr>
+                        <a:t> </a:t>
+                      </a:r>
+                      <a:r>
+                        <a:rPr b="0" lang="en-US" sz="1300" spc="-1" strike="noStrike">
+                          <a:solidFill>
+                            <a:srgbClr val="000000"/>
+                          </a:solidFill>
+                          <a:latin typeface="Calibri"/>
+                        </a:rPr>
+                        <a:t>1</a:t>
+                      </a:r>
+                      <a:endParaRPr b="0" lang="en-US" sz="1300" spc="-1" strike="noStrike">
+                        <a:latin typeface="Times New Roman"/>
+                      </a:endParaRPr>
+                    </a:p>
+                  </a:txBody>
+                  <a:tcPr marL="47160" marR="47160">
+                    <a:lnL w="12240">
+                      <a:noFill/>
+                    </a:lnL>
+                    <a:lnR w="12240">
+                      <a:solidFill>
+                        <a:srgbClr val="000000"/>
+                      </a:solidFill>
+                    </a:lnR>
+                    <a:lnT w="28080">
+                      <a:solidFill>
+                        <a:srgbClr val="000000"/>
+                      </a:solidFill>
+                    </a:lnT>
+                    <a:lnB w="12240">
+                      <a:solidFill>
+                        <a:srgbClr val="000000"/>
+                      </a:solidFill>
+                    </a:lnB>
+                    <a:noFill/>
+                  </a:tcPr>
+                </a:tc>
+                <a:tc>
+                  <a:txBody>
+                    <a:bodyPr lIns="47160" rIns="47160">
+                      <a:noAutofit/>
+                    </a:bodyPr>
+                    <a:p>
+                      <a:pPr algn="ctr">
+                        <a:lnSpc>
+                          <a:spcPct val="100000"/>
+                        </a:lnSpc>
+                      </a:pPr>
+                      <a:r>
+                        <a:rPr b="0" lang="en-US" sz="1300" spc="-1" strike="noStrike">
+                          <a:solidFill>
+                            <a:srgbClr val="000000"/>
+                          </a:solidFill>
+                          <a:latin typeface="Calibri"/>
+                        </a:rPr>
+                        <a:t>1.23</a:t>
+                      </a:r>
+                      <a:endParaRPr b="0" lang="en-US" sz="1300" spc="-1" strike="noStrike">
+                        <a:latin typeface="Times New Roman"/>
+                      </a:endParaRPr>
+                    </a:p>
+                  </a:txBody>
+                  <a:tcPr marL="47160" marR="47160">
+                    <a:lnL w="12240">
+                      <a:solidFill>
+                        <a:srgbClr val="000000"/>
+                      </a:solidFill>
+                    </a:lnL>
+                    <a:lnR w="12240">
+                      <a:solidFill>
+                        <a:srgbClr val="000000"/>
+                      </a:solidFill>
+                    </a:lnR>
+                    <a:lnT w="28080">
+                      <a:solidFill>
+                        <a:srgbClr val="000000"/>
+                      </a:solidFill>
+                    </a:lnT>
+                    <a:lnB w="12240">
+                      <a:solidFill>
+                        <a:srgbClr val="000000"/>
+                      </a:solidFill>
+                    </a:lnB>
+                    <a:noFill/>
+                  </a:tcPr>
+                </a:tc>
+                <a:tc>
+                  <a:txBody>
+                    <a:bodyPr lIns="47160" rIns="47160">
+                      <a:noAutofit/>
+                    </a:bodyPr>
+                    <a:p>
+                      <a:pPr algn="ctr">
+                        <a:lnSpc>
+                          <a:spcPct val="100000"/>
+                        </a:lnSpc>
+                      </a:pPr>
+                      <a:r>
+                        <a:rPr b="0" lang="en-US" sz="1300" spc="-1" strike="noStrike">
+                          <a:solidFill>
+                            <a:srgbClr val="000000"/>
+                          </a:solidFill>
+                          <a:latin typeface="Calibri"/>
+                        </a:rPr>
+                        <a:t>0.65</a:t>
+                      </a:r>
+                      <a:endParaRPr b="0" lang="en-US" sz="1300" spc="-1" strike="noStrike">
+                        <a:latin typeface="Times New Roman"/>
+                      </a:endParaRPr>
+                    </a:p>
+                  </a:txBody>
+                  <a:tcPr marL="47160" marR="47160">
+                    <a:lnL w="12240">
+                      <a:solidFill>
+                        <a:srgbClr val="000000"/>
+                      </a:solidFill>
+                    </a:lnL>
+                    <a:lnR w="12240">
+                      <a:noFill/>
+                    </a:lnR>
+                    <a:lnT w="28080">
+                      <a:solidFill>
+                        <a:srgbClr val="000000"/>
+                      </a:solidFill>
+                    </a:lnT>
+                    <a:lnB w="12240">
+                      <a:solidFill>
+                        <a:srgbClr val="000000"/>
+                      </a:solidFill>
+                    </a:lnB>
+                    <a:noFill/>
+                  </a:tcPr>
+                </a:tc>
+              </a:tr>
+              <a:tr h="289800">
+                <a:tc>
+                  <a:txBody>
+                    <a:bodyPr lIns="47160" rIns="47160">
+                      <a:noAutofit/>
+                    </a:bodyPr>
+                    <a:p>
+                      <a:pPr algn="ctr">
+                        <a:lnSpc>
+                          <a:spcPct val="100000"/>
+                        </a:lnSpc>
+                      </a:pPr>
+                      <a:r>
+                        <a:rPr b="0" lang="en-US" sz="1300" spc="-1" strike="noStrike">
+                          <a:solidFill>
+                            <a:srgbClr val="000000"/>
+                          </a:solidFill>
+                          <a:latin typeface="Calibri"/>
+                        </a:rPr>
+                        <a:t> </a:t>
+                      </a:r>
+                      <a:r>
+                        <a:rPr b="0" lang="en-US" sz="1300" spc="-1" strike="noStrike">
+                          <a:solidFill>
+                            <a:srgbClr val="000000"/>
+                          </a:solidFill>
+                          <a:latin typeface="Calibri"/>
+                        </a:rPr>
+                        <a:t>2</a:t>
+                      </a:r>
+                      <a:endParaRPr b="0" lang="en-US" sz="1300" spc="-1" strike="noStrike">
+                        <a:latin typeface="Times New Roman"/>
+                      </a:endParaRPr>
+                    </a:p>
+                  </a:txBody>
+                  <a:tcPr marL="47160" marR="47160">
+                    <a:lnL w="12240">
+                      <a:noFill/>
+                    </a:lnL>
+                    <a:lnR w="12240">
+                      <a:solidFill>
+                        <a:srgbClr val="000000"/>
+                      </a:solidFill>
+                    </a:lnR>
+                    <a:lnT w="12240">
+                      <a:solidFill>
+                        <a:srgbClr val="000000"/>
+                      </a:solidFill>
+                    </a:lnT>
+                    <a:lnB w="12240">
+                      <a:solidFill>
+                        <a:srgbClr val="000000"/>
+                      </a:solidFill>
+                    </a:lnB>
+                    <a:noFill/>
+                  </a:tcPr>
+                </a:tc>
+                <a:tc>
+                  <a:txBody>
+                    <a:bodyPr lIns="47160" rIns="47160">
+                      <a:noAutofit/>
+                    </a:bodyPr>
+                    <a:p>
+                      <a:pPr algn="ctr">
+                        <a:lnSpc>
+                          <a:spcPct val="100000"/>
+                        </a:lnSpc>
+                      </a:pPr>
+                      <a:r>
+                        <a:rPr b="0" lang="en-US" sz="1300" spc="-1" strike="noStrike">
+                          <a:solidFill>
+                            <a:srgbClr val="000000"/>
+                          </a:solidFill>
+                          <a:latin typeface="Calibri"/>
+                        </a:rPr>
+                        <a:t>2.25</a:t>
+                      </a:r>
+                      <a:endParaRPr b="0" lang="en-US" sz="1300" spc="-1" strike="noStrike">
+                        <a:latin typeface="Times New Roman"/>
+                      </a:endParaRPr>
+                    </a:p>
+                  </a:txBody>
+                  <a:tcPr marL="47160" marR="47160">
+                    <a:lnL w="12240">
+                      <a:solidFill>
+                        <a:srgbClr val="000000"/>
+                      </a:solidFill>
+                    </a:lnL>
+                    <a:lnR w="12240">
+                      <a:solidFill>
+                        <a:srgbClr val="000000"/>
+                      </a:solidFill>
+                    </a:lnR>
+                    <a:lnT w="12240">
+                      <a:solidFill>
+                        <a:srgbClr val="000000"/>
+                      </a:solidFill>
+                    </a:lnT>
+                    <a:lnB w="12240">
+                      <a:solidFill>
+                        <a:srgbClr val="000000"/>
+                      </a:solidFill>
+                    </a:lnB>
+                    <a:noFill/>
+                  </a:tcPr>
+                </a:tc>
+                <a:tc>
+                  <a:txBody>
+                    <a:bodyPr lIns="47160" rIns="47160">
+                      <a:noAutofit/>
+                    </a:bodyPr>
+                    <a:p>
+                      <a:pPr algn="ctr">
+                        <a:lnSpc>
+                          <a:spcPct val="100000"/>
+                        </a:lnSpc>
+                      </a:pPr>
+                      <a:r>
+                        <a:rPr b="0" lang="en-US" sz="1300" spc="-1" strike="noStrike">
+                          <a:solidFill>
+                            <a:srgbClr val="000000"/>
+                          </a:solidFill>
+                          <a:latin typeface="Calibri"/>
+                        </a:rPr>
+                        <a:t>1.02</a:t>
+                      </a:r>
+                      <a:endParaRPr b="0" lang="en-US" sz="1300" spc="-1" strike="noStrike">
+                        <a:latin typeface="Times New Roman"/>
+                      </a:endParaRPr>
+                    </a:p>
+                  </a:txBody>
+                  <a:tcPr marL="47160" marR="47160">
+                    <a:lnL w="12240">
+                      <a:solidFill>
+                        <a:srgbClr val="000000"/>
+                      </a:solidFill>
+                    </a:lnL>
+                    <a:lnR w="12240">
+                      <a:noFill/>
+                    </a:lnR>
+                    <a:lnT w="12240">
+                      <a:solidFill>
+                        <a:srgbClr val="000000"/>
+                      </a:solidFill>
+                    </a:lnT>
+                    <a:lnB w="12240">
+                      <a:solidFill>
+                        <a:srgbClr val="000000"/>
+                      </a:solidFill>
+                    </a:lnB>
+                    <a:noFill/>
+                  </a:tcPr>
+                </a:tc>
+              </a:tr>
+            </a:tbl>
+          </a:graphicData>
+        </a:graphic>
+      </p:graphicFrame>
+    </p:spTree>
+  </p:cSld>
+  <mc:AlternateContent>
+    <mc:Choice Requires="p14">
+      <p:transition spd="slow" p14:dur="2000"/>
+    </mc:Choice>
+    <mc:Fallback>
+      <p:transition spd="slow"/>
+    </mc:Fallback>
+  </mc:AlternateContent>
+  <p:timing>
+    <p:tnLst>
+      <p:par>
+        <p:cTn id="3" dur="indefinite" restart="never" nodeType="tmRoot">
+          <p:childTnLst>
+            <p:seq>
+              <p:cTn id="4" dur="indefinite" nodeType="mainSeq"/>
+              <p:prevCondLst>
+                <p:cond delay="0" evt="onPrev">
+                  <p:tgtEl>
+                    <p:sldTgt/>
+                  </p:tgtEl>
+                </p:cond>
+              </p:prevCondLst>
+              <p:nextCondLst>
+                <p:cond delay="0" evt="onNext">
+                  <p:tgtEl>
+                    <p:sldTgt/>
+                  </p:tgtEl>
+                </p:cond>
+              </p:nextCondLst>
+            </p:seq>
+          </p:childTnLst>
+        </p:cTn>
+      </p:par>
+    </p:tnLst>
+  </p:timing>
+</p:sld>
+</file>
+
 <file path=ppt/theme/theme1.xml><?xml version="1.0" encoding="utf-8"?>
 <a:theme xmlns:a="http://schemas.openxmlformats.org/drawingml/2006/main" name="Office Theme">
   <a:themeElements>

--- a/poster.pptx
+++ b/poster.pptx
@@ -13,7 +13,7 @@
 </p:presentation>
 </file>
 
-<file path=ppt/charts/chart1.xml><?xml version="1.0" encoding="utf-8"?>
+<file path=ppt/charts/chart3.xml><?xml version="1.0" encoding="utf-8"?>
 <c:chartSpace xmlns:c="http://schemas.openxmlformats.org/drawingml/2006/chart" xmlns:a="http://schemas.openxmlformats.org/drawingml/2006/main" xmlns:r="http://schemas.openxmlformats.org/officeDocument/2006/relationships">
   <c:lang val="en-US"/>
   <c:roundedCorners val="0"/>
@@ -54,10 +54,10 @@
           <c:layoutTarget val="inner"/>
           <c:xMode val="edge"/>
           <c:yMode val="edge"/>
-          <c:x val="0.117134390796584"/>
-          <c:y val="0.129860324650812"/>
-          <c:w val="0.87336587066411"/>
-          <c:h val="0.494148735371838"/>
+          <c:x val="0.117144600366077"/>
+          <c:y val="0.129884840475741"/>
+          <c:w val="0.87326767192539"/>
+          <c:h val="0.494053237681707"/>
         </c:manualLayout>
       </c:layout>
       <c:bar3DChart>
@@ -333,12 +333,12 @@
         </c:ser>
         <c:gapWidth val="150"/>
         <c:shape val="box"/>
-        <c:axId val="32194870"/>
-        <c:axId val="67316046"/>
+        <c:axId val="79683236"/>
+        <c:axId val="69273035"/>
         <c:axId val="0"/>
       </c:bar3DChart>
       <c:catAx>
-        <c:axId val="32194870"/>
+        <c:axId val="79683236"/>
         <c:scaling>
           <c:orientation val="minMax"/>
         </c:scaling>
@@ -368,14 +368,14 @@
             </a:pPr>
           </a:p>
         </c:txPr>
-        <c:crossAx val="67316046"/>
+        <c:crossAx val="69273035"/>
         <c:crosses val="autoZero"/>
         <c:auto val="1"/>
         <c:lblAlgn val="ctr"/>
         <c:lblOffset val="100"/>
       </c:catAx>
       <c:valAx>
-        <c:axId val="67316046"/>
+        <c:axId val="69273035"/>
         <c:scaling>
           <c:orientation val="minMax"/>
         </c:scaling>
@@ -415,7 +415,7 @@
             </a:pPr>
           </a:p>
         </c:txPr>
-        <c:crossAx val="32194870"/>
+        <c:crossAx val="79683236"/>
         <c:crosses val="autoZero"/>
       </c:valAx>
     </c:plotArea>
@@ -464,7 +464,7 @@
 </c:chartSpace>
 </file>
 
-<file path=ppt/charts/chart2.xml><?xml version="1.0" encoding="utf-8"?>
+<file path=ppt/charts/chart4.xml><?xml version="1.0" encoding="utf-8"?>
 <c:chartSpace xmlns:c="http://schemas.openxmlformats.org/drawingml/2006/chart" xmlns:a="http://schemas.openxmlformats.org/drawingml/2006/main" xmlns:r="http://schemas.openxmlformats.org/officeDocument/2006/relationships">
   <c:lang val="en-US"/>
   <c:roundedCorners val="0"/>
@@ -505,10 +505,10 @@
           <c:layoutTarget val="inner"/>
           <c:xMode val="edge"/>
           <c:yMode val="edge"/>
-          <c:x val="0.117134390796584"/>
-          <c:y val="0.129860324650812"/>
-          <c:w val="0.87336587066411"/>
-          <c:h val="0.494148735371838"/>
+          <c:x val="0.117144600366077"/>
+          <c:y val="0.129884840475741"/>
+          <c:w val="0.87326767192539"/>
+          <c:h val="0.494053237681707"/>
         </c:manualLayout>
       </c:layout>
       <c:bar3DChart>
@@ -784,12 +784,12 @@
         </c:ser>
         <c:gapWidth val="150"/>
         <c:shape val="box"/>
-        <c:axId val="95891574"/>
-        <c:axId val="16100957"/>
+        <c:axId val="6928665"/>
+        <c:axId val="72961919"/>
         <c:axId val="0"/>
       </c:bar3DChart>
       <c:catAx>
-        <c:axId val="95891574"/>
+        <c:axId val="6928665"/>
         <c:scaling>
           <c:orientation val="minMax"/>
         </c:scaling>
@@ -819,14 +819,14 @@
             </a:pPr>
           </a:p>
         </c:txPr>
-        <c:crossAx val="16100957"/>
+        <c:crossAx val="72961919"/>
         <c:crosses val="autoZero"/>
         <c:auto val="1"/>
         <c:lblAlgn val="ctr"/>
         <c:lblOffset val="100"/>
       </c:catAx>
       <c:valAx>
-        <c:axId val="16100957"/>
+        <c:axId val="72961919"/>
         <c:scaling>
           <c:orientation val="minMax"/>
         </c:scaling>
@@ -866,7 +866,7 @@
             </a:pPr>
           </a:p>
         </c:txPr>
-        <c:crossAx val="95891574"/>
+        <c:crossAx val="6928665"/>
         <c:crosses val="autoZero"/>
       </c:valAx>
     </c:plotArea>
@@ -966,8 +966,8 @@
         </p:nvSpPr>
         <p:spPr>
           <a:xfrm>
-            <a:off x="720000" y="4279680"/>
-            <a:ext cx="8160120" cy="2137680"/>
+            <a:off x="479880" y="510480"/>
+            <a:ext cx="8640720" cy="2137320"/>
           </a:xfrm>
           <a:prstGeom prst="rect">
             <a:avLst/>
@@ -998,7 +998,7 @@
         <p:spPr>
           <a:xfrm>
             <a:off x="479880" y="2995560"/>
-            <a:ext cx="8640360" cy="3540960"/>
+            <a:ext cx="8640720" cy="3541320"/>
           </a:xfrm>
           <a:prstGeom prst="rect">
             <a:avLst/>
@@ -1027,8 +1027,8 @@
         </p:nvSpPr>
         <p:spPr>
           <a:xfrm>
-            <a:off x="479880" y="6873480"/>
-            <a:ext cx="8640360" cy="3540960"/>
+            <a:off x="479880" y="6873840"/>
+            <a:ext cx="8640720" cy="3541320"/>
           </a:xfrm>
           <a:prstGeom prst="rect">
             <a:avLst/>
@@ -1079,8 +1079,8 @@
         </p:nvSpPr>
         <p:spPr>
           <a:xfrm>
-            <a:off x="720000" y="4279680"/>
-            <a:ext cx="8160120" cy="2137680"/>
+            <a:off x="479880" y="510480"/>
+            <a:ext cx="8640720" cy="2137320"/>
           </a:xfrm>
           <a:prstGeom prst="rect">
             <a:avLst/>
@@ -1111,7 +1111,7 @@
         <p:spPr>
           <a:xfrm>
             <a:off x="479880" y="2995560"/>
-            <a:ext cx="4216320" cy="3540960"/>
+            <a:ext cx="4216320" cy="3541320"/>
           </a:xfrm>
           <a:prstGeom prst="rect">
             <a:avLst/>
@@ -1141,7 +1141,7 @@
         <p:spPr>
           <a:xfrm>
             <a:off x="4907520" y="2995560"/>
-            <a:ext cx="4216320" cy="3540960"/>
+            <a:ext cx="4216320" cy="3541320"/>
           </a:xfrm>
           <a:prstGeom prst="rect">
             <a:avLst/>
@@ -1170,8 +1170,8 @@
         </p:nvSpPr>
         <p:spPr>
           <a:xfrm>
-            <a:off x="479880" y="6873480"/>
-            <a:ext cx="4216320" cy="3540960"/>
+            <a:off x="479880" y="6873840"/>
+            <a:ext cx="4216320" cy="3541320"/>
           </a:xfrm>
           <a:prstGeom prst="rect">
             <a:avLst/>
@@ -1200,8 +1200,8 @@
         </p:nvSpPr>
         <p:spPr>
           <a:xfrm>
-            <a:off x="4907520" y="6873480"/>
-            <a:ext cx="4216320" cy="3540960"/>
+            <a:off x="4907520" y="6873840"/>
+            <a:ext cx="4216320" cy="3541320"/>
           </a:xfrm>
           <a:prstGeom prst="rect">
             <a:avLst/>
@@ -1252,8 +1252,8 @@
         </p:nvSpPr>
         <p:spPr>
           <a:xfrm>
-            <a:off x="720000" y="4279680"/>
-            <a:ext cx="8160120" cy="2137680"/>
+            <a:off x="479880" y="510480"/>
+            <a:ext cx="8640720" cy="2137320"/>
           </a:xfrm>
           <a:prstGeom prst="rect">
             <a:avLst/>
@@ -1284,7 +1284,7 @@
         <p:spPr>
           <a:xfrm>
             <a:off x="479880" y="2995560"/>
-            <a:ext cx="2782080" cy="3540960"/>
+            <a:ext cx="2782080" cy="3541320"/>
           </a:xfrm>
           <a:prstGeom prst="rect">
             <a:avLst/>
@@ -1314,7 +1314,7 @@
         <p:spPr>
           <a:xfrm>
             <a:off x="3401280" y="2995560"/>
-            <a:ext cx="2782080" cy="3540960"/>
+            <a:ext cx="2782080" cy="3541320"/>
           </a:xfrm>
           <a:prstGeom prst="rect">
             <a:avLst/>
@@ -1344,7 +1344,7 @@
         <p:spPr>
           <a:xfrm>
             <a:off x="6323040" y="2995560"/>
-            <a:ext cx="2782080" cy="3540960"/>
+            <a:ext cx="2782080" cy="3541320"/>
           </a:xfrm>
           <a:prstGeom prst="rect">
             <a:avLst/>
@@ -1373,8 +1373,8 @@
         </p:nvSpPr>
         <p:spPr>
           <a:xfrm>
-            <a:off x="479880" y="6873480"/>
-            <a:ext cx="2782080" cy="3540960"/>
+            <a:off x="479880" y="6873840"/>
+            <a:ext cx="2782080" cy="3541320"/>
           </a:xfrm>
           <a:prstGeom prst="rect">
             <a:avLst/>
@@ -1403,8 +1403,8 @@
         </p:nvSpPr>
         <p:spPr>
           <a:xfrm>
-            <a:off x="3401280" y="6873480"/>
-            <a:ext cx="2782080" cy="3540960"/>
+            <a:off x="3401280" y="6873840"/>
+            <a:ext cx="2782080" cy="3541320"/>
           </a:xfrm>
           <a:prstGeom prst="rect">
             <a:avLst/>
@@ -1433,8 +1433,8 @@
         </p:nvSpPr>
         <p:spPr>
           <a:xfrm>
-            <a:off x="6323040" y="6873480"/>
-            <a:ext cx="2782080" cy="3540960"/>
+            <a:off x="6323040" y="6873840"/>
+            <a:ext cx="2782080" cy="3541320"/>
           </a:xfrm>
           <a:prstGeom prst="rect">
             <a:avLst/>
@@ -1485,8 +1485,8 @@
         </p:nvSpPr>
         <p:spPr>
           <a:xfrm>
-            <a:off x="720000" y="4279680"/>
-            <a:ext cx="8160120" cy="2137680"/>
+            <a:off x="479880" y="510480"/>
+            <a:ext cx="8640720" cy="2137320"/>
           </a:xfrm>
           <a:prstGeom prst="rect">
             <a:avLst/>
@@ -1517,7 +1517,7 @@
         <p:spPr>
           <a:xfrm>
             <a:off x="479880" y="2995560"/>
-            <a:ext cx="8640360" cy="7423920"/>
+            <a:ext cx="8640720" cy="7424280"/>
           </a:xfrm>
           <a:prstGeom prst="rect">
             <a:avLst/>
@@ -1569,8 +1569,8 @@
         </p:nvSpPr>
         <p:spPr>
           <a:xfrm>
-            <a:off x="720000" y="4279680"/>
-            <a:ext cx="8160120" cy="2137680"/>
+            <a:off x="479880" y="510480"/>
+            <a:ext cx="8640720" cy="2137320"/>
           </a:xfrm>
           <a:prstGeom prst="rect">
             <a:avLst/>
@@ -1601,7 +1601,7 @@
         <p:spPr>
           <a:xfrm>
             <a:off x="479880" y="2995560"/>
-            <a:ext cx="8640360" cy="7423920"/>
+            <a:ext cx="8640720" cy="7424280"/>
           </a:xfrm>
           <a:prstGeom prst="rect">
             <a:avLst/>
@@ -1652,8 +1652,8 @@
         </p:nvSpPr>
         <p:spPr>
           <a:xfrm>
-            <a:off x="720000" y="4279680"/>
-            <a:ext cx="8160120" cy="2137680"/>
+            <a:off x="479880" y="510480"/>
+            <a:ext cx="8640720" cy="2137320"/>
           </a:xfrm>
           <a:prstGeom prst="rect">
             <a:avLst/>
@@ -1684,7 +1684,7 @@
         <p:spPr>
           <a:xfrm>
             <a:off x="479880" y="2995560"/>
-            <a:ext cx="4216320" cy="7423920"/>
+            <a:ext cx="4216320" cy="7424280"/>
           </a:xfrm>
           <a:prstGeom prst="rect">
             <a:avLst/>
@@ -1714,7 +1714,7 @@
         <p:spPr>
           <a:xfrm>
             <a:off x="4907520" y="2995560"/>
-            <a:ext cx="4216320" cy="7423920"/>
+            <a:ext cx="4216320" cy="7424280"/>
           </a:xfrm>
           <a:prstGeom prst="rect">
             <a:avLst/>
@@ -1765,8 +1765,8 @@
         </p:nvSpPr>
         <p:spPr>
           <a:xfrm>
-            <a:off x="720000" y="4279680"/>
-            <a:ext cx="8160120" cy="2137680"/>
+            <a:off x="479880" y="510480"/>
+            <a:ext cx="8640720" cy="2137320"/>
           </a:xfrm>
           <a:prstGeom prst="rect">
             <a:avLst/>
@@ -1818,8 +1818,8 @@
         </p:nvSpPr>
         <p:spPr>
           <a:xfrm>
-            <a:off x="720000" y="4279680"/>
-            <a:ext cx="8160120" cy="9910440"/>
+            <a:off x="479880" y="510480"/>
+            <a:ext cx="8640720" cy="9908640"/>
           </a:xfrm>
           <a:prstGeom prst="rect">
             <a:avLst/>
@@ -1871,8 +1871,8 @@
         </p:nvSpPr>
         <p:spPr>
           <a:xfrm>
-            <a:off x="720000" y="4279680"/>
-            <a:ext cx="8160120" cy="2137680"/>
+            <a:off x="479880" y="510480"/>
+            <a:ext cx="8640720" cy="2137320"/>
           </a:xfrm>
           <a:prstGeom prst="rect">
             <a:avLst/>
@@ -1903,7 +1903,7 @@
         <p:spPr>
           <a:xfrm>
             <a:off x="479880" y="2995560"/>
-            <a:ext cx="4216320" cy="3540960"/>
+            <a:ext cx="4216320" cy="3541320"/>
           </a:xfrm>
           <a:prstGeom prst="rect">
             <a:avLst/>
@@ -1933,7 +1933,7 @@
         <p:spPr>
           <a:xfrm>
             <a:off x="4907520" y="2995560"/>
-            <a:ext cx="4216320" cy="7423920"/>
+            <a:ext cx="4216320" cy="7424280"/>
           </a:xfrm>
           <a:prstGeom prst="rect">
             <a:avLst/>
@@ -1962,8 +1962,8 @@
         </p:nvSpPr>
         <p:spPr>
           <a:xfrm>
-            <a:off x="479880" y="6873480"/>
-            <a:ext cx="4216320" cy="3540960"/>
+            <a:off x="479880" y="6873840"/>
+            <a:ext cx="4216320" cy="3541320"/>
           </a:xfrm>
           <a:prstGeom prst="rect">
             <a:avLst/>
@@ -2014,8 +2014,8 @@
         </p:nvSpPr>
         <p:spPr>
           <a:xfrm>
-            <a:off x="720000" y="4279680"/>
-            <a:ext cx="8160120" cy="2137680"/>
+            <a:off x="479880" y="510480"/>
+            <a:ext cx="8640720" cy="2137320"/>
           </a:xfrm>
           <a:prstGeom prst="rect">
             <a:avLst/>
@@ -2046,7 +2046,7 @@
         <p:spPr>
           <a:xfrm>
             <a:off x="479880" y="2995560"/>
-            <a:ext cx="4216320" cy="7423920"/>
+            <a:ext cx="4216320" cy="7424280"/>
           </a:xfrm>
           <a:prstGeom prst="rect">
             <a:avLst/>
@@ -2076,7 +2076,7 @@
         <p:spPr>
           <a:xfrm>
             <a:off x="4907520" y="2995560"/>
-            <a:ext cx="4216320" cy="3540960"/>
+            <a:ext cx="4216320" cy="3541320"/>
           </a:xfrm>
           <a:prstGeom prst="rect">
             <a:avLst/>
@@ -2105,8 +2105,8 @@
         </p:nvSpPr>
         <p:spPr>
           <a:xfrm>
-            <a:off x="4907520" y="6873480"/>
-            <a:ext cx="4216320" cy="3540960"/>
+            <a:off x="4907520" y="6873840"/>
+            <a:ext cx="4216320" cy="3541320"/>
           </a:xfrm>
           <a:prstGeom prst="rect">
             <a:avLst/>
@@ -2157,8 +2157,8 @@
         </p:nvSpPr>
         <p:spPr>
           <a:xfrm>
-            <a:off x="720000" y="4279680"/>
-            <a:ext cx="8160120" cy="2137680"/>
+            <a:off x="479880" y="510480"/>
+            <a:ext cx="8640720" cy="2137320"/>
           </a:xfrm>
           <a:prstGeom prst="rect">
             <a:avLst/>
@@ -2189,7 +2189,7 @@
         <p:spPr>
           <a:xfrm>
             <a:off x="479880" y="2995560"/>
-            <a:ext cx="4216320" cy="3540960"/>
+            <a:ext cx="4216320" cy="3541320"/>
           </a:xfrm>
           <a:prstGeom prst="rect">
             <a:avLst/>
@@ -2219,7 +2219,7 @@
         <p:spPr>
           <a:xfrm>
             <a:off x="4907520" y="2995560"/>
-            <a:ext cx="4216320" cy="3540960"/>
+            <a:ext cx="4216320" cy="3541320"/>
           </a:xfrm>
           <a:prstGeom prst="rect">
             <a:avLst/>
@@ -2248,8 +2248,8 @@
         </p:nvSpPr>
         <p:spPr>
           <a:xfrm>
-            <a:off x="479880" y="6873480"/>
-            <a:ext cx="8640360" cy="3540960"/>
+            <a:off x="479880" y="6873840"/>
+            <a:ext cx="8640720" cy="3541320"/>
           </a:xfrm>
           <a:prstGeom prst="rect">
             <a:avLst/>
@@ -2307,8 +2307,8 @@
         </p:nvSpPr>
         <p:spPr>
           <a:xfrm>
-            <a:off x="720000" y="4279680"/>
-            <a:ext cx="8160120" cy="2137680"/>
+            <a:off x="479880" y="510480"/>
+            <a:ext cx="8640720" cy="2137320"/>
           </a:xfrm>
           <a:prstGeom prst="rect">
             <a:avLst/>
@@ -2316,16 +2316,17 @@
         </p:spPr>
         <p:txBody>
           <a:bodyPr lIns="0" rIns="0" tIns="0" bIns="0" anchor="ctr">
-            <a:spAutoFit/>
+            <a:noAutofit/>
           </a:bodyPr>
           <a:p>
-            <a:r>
-              <a:rPr b="0" lang="en-US" sz="1800" spc="-1" strike="noStrike">
+            <a:pPr algn="ctr"/>
+            <a:r>
+              <a:rPr b="0" lang="en-US" sz="4400" spc="-1" strike="noStrike">
                 <a:latin typeface="Arial"/>
               </a:rPr>
               <a:t>タイトルテキストの書式を編集するにはクリックします。</a:t>
             </a:r>
-            <a:endParaRPr b="0" lang="en-US" sz="1800" spc="-1" strike="noStrike">
+            <a:endParaRPr b="0" lang="en-US" sz="4400" spc="-1" strike="noStrike">
               <a:latin typeface="Arial"/>
             </a:endParaRPr>
           </a:p>
@@ -2344,7 +2345,7 @@
         <p:spPr>
           <a:xfrm>
             <a:off x="479880" y="2995560"/>
-            <a:ext cx="8640360" cy="7423920"/>
+            <a:ext cx="8640720" cy="7424280"/>
           </a:xfrm>
           <a:prstGeom prst="rect">
             <a:avLst/>
@@ -2367,12 +2368,12 @@
               <a:buChar char=""/>
             </a:pPr>
             <a:r>
-              <a:rPr b="0" lang="en-US" sz="1800" spc="-1" strike="noStrike">
+              <a:rPr b="0" lang="en-US" sz="3200" spc="-1" strike="noStrike">
                 <a:latin typeface="Arial"/>
               </a:rPr>
               <a:t>アウトラインテキストの書式を編集するにはクリックします。</a:t>
             </a:r>
-            <a:endParaRPr b="0" lang="en-US" sz="1800" spc="-1" strike="noStrike">
+            <a:endParaRPr b="0" lang="en-US" sz="3200" spc="-1" strike="noStrike">
               <a:latin typeface="Arial"/>
             </a:endParaRPr>
           </a:p>
@@ -2389,18 +2390,18 @@
               <a:buChar char=""/>
             </a:pPr>
             <a:r>
-              <a:rPr b="0" lang="en-US" sz="1800" spc="-1" strike="noStrike">
+              <a:rPr b="0" lang="en-US" sz="2800" spc="-1" strike="noStrike">
                 <a:latin typeface="Arial"/>
               </a:rPr>
               <a:t>2</a:t>
             </a:r>
             <a:r>
-              <a:rPr b="0" lang="en-US" sz="1800" spc="-1" strike="noStrike">
+              <a:rPr b="0" lang="en-US" sz="2800" spc="-1" strike="noStrike">
                 <a:latin typeface="Arial"/>
               </a:rPr>
               <a:t>レベル目のアウトライン</a:t>
             </a:r>
-            <a:endParaRPr b="0" lang="en-US" sz="1800" spc="-1" strike="noStrike">
+            <a:endParaRPr b="0" lang="en-US" sz="2800" spc="-1" strike="noStrike">
               <a:latin typeface="Arial"/>
             </a:endParaRPr>
           </a:p>
@@ -2417,18 +2418,18 @@
               <a:buChar char=""/>
             </a:pPr>
             <a:r>
-              <a:rPr b="0" lang="en-US" sz="1800" spc="-1" strike="noStrike">
+              <a:rPr b="0" lang="en-US" sz="2400" spc="-1" strike="noStrike">
                 <a:latin typeface="Arial"/>
               </a:rPr>
               <a:t>3</a:t>
             </a:r>
             <a:r>
-              <a:rPr b="0" lang="en-US" sz="1800" spc="-1" strike="noStrike">
+              <a:rPr b="0" lang="en-US" sz="2400" spc="-1" strike="noStrike">
                 <a:latin typeface="Arial"/>
               </a:rPr>
               <a:t>レベル目のアウトライン</a:t>
             </a:r>
-            <a:endParaRPr b="0" lang="en-US" sz="1800" spc="-1" strike="noStrike">
+            <a:endParaRPr b="0" lang="en-US" sz="2400" spc="-1" strike="noStrike">
               <a:latin typeface="Arial"/>
             </a:endParaRPr>
           </a:p>
@@ -2445,18 +2446,18 @@
               <a:buChar char=""/>
             </a:pPr>
             <a:r>
-              <a:rPr b="0" lang="en-US" sz="1800" spc="-1" strike="noStrike">
+              <a:rPr b="0" lang="en-US" sz="2000" spc="-1" strike="noStrike">
                 <a:latin typeface="Arial"/>
               </a:rPr>
               <a:t>4</a:t>
             </a:r>
             <a:r>
-              <a:rPr b="0" lang="en-US" sz="1800" spc="-1" strike="noStrike">
+              <a:rPr b="0" lang="en-US" sz="2000" spc="-1" strike="noStrike">
                 <a:latin typeface="Arial"/>
               </a:rPr>
               <a:t>レベル目のアウトライン</a:t>
             </a:r>
-            <a:endParaRPr b="0" lang="en-US" sz="1800" spc="-1" strike="noStrike">
+            <a:endParaRPr b="0" lang="en-US" sz="2000" spc="-1" strike="noStrike">
               <a:latin typeface="Arial"/>
             </a:endParaRPr>
           </a:p>
@@ -2473,18 +2474,18 @@
               <a:buChar char=""/>
             </a:pPr>
             <a:r>
-              <a:rPr b="0" lang="en-US" sz="1800" spc="-1" strike="noStrike">
+              <a:rPr b="0" lang="en-US" sz="2000" spc="-1" strike="noStrike">
                 <a:latin typeface="Arial"/>
               </a:rPr>
               <a:t>5</a:t>
             </a:r>
             <a:r>
-              <a:rPr b="0" lang="en-US" sz="1800" spc="-1" strike="noStrike">
+              <a:rPr b="0" lang="en-US" sz="2000" spc="-1" strike="noStrike">
                 <a:latin typeface="Arial"/>
               </a:rPr>
               <a:t>レベル目のアウトライン</a:t>
             </a:r>
-            <a:endParaRPr b="0" lang="en-US" sz="1800" spc="-1" strike="noStrike">
+            <a:endParaRPr b="0" lang="en-US" sz="2000" spc="-1" strike="noStrike">
               <a:latin typeface="Arial"/>
             </a:endParaRPr>
           </a:p>
@@ -2501,18 +2502,18 @@
               <a:buChar char=""/>
             </a:pPr>
             <a:r>
-              <a:rPr b="0" lang="en-US" sz="1800" spc="-1" strike="noStrike">
+              <a:rPr b="0" lang="en-US" sz="2000" spc="-1" strike="noStrike">
                 <a:latin typeface="Arial"/>
               </a:rPr>
               <a:t>6</a:t>
             </a:r>
             <a:r>
-              <a:rPr b="0" lang="en-US" sz="1800" spc="-1" strike="noStrike">
+              <a:rPr b="0" lang="en-US" sz="2000" spc="-1" strike="noStrike">
                 <a:latin typeface="Arial"/>
               </a:rPr>
               <a:t>レベル目のアウトライン</a:t>
             </a:r>
-            <a:endParaRPr b="0" lang="en-US" sz="1800" spc="-1" strike="noStrike">
+            <a:endParaRPr b="0" lang="en-US" sz="2000" spc="-1" strike="noStrike">
               <a:latin typeface="Arial"/>
             </a:endParaRPr>
           </a:p>
@@ -2529,18 +2530,18 @@
               <a:buChar char=""/>
             </a:pPr>
             <a:r>
-              <a:rPr b="0" lang="en-US" sz="1800" spc="-1" strike="noStrike">
+              <a:rPr b="0" lang="en-US" sz="2000" spc="-1" strike="noStrike">
                 <a:latin typeface="Arial"/>
               </a:rPr>
               <a:t>7</a:t>
             </a:r>
             <a:r>
-              <a:rPr b="0" lang="en-US" sz="1800" spc="-1" strike="noStrike">
+              <a:rPr b="0" lang="en-US" sz="2000" spc="-1" strike="noStrike">
                 <a:latin typeface="Arial"/>
               </a:rPr>
               <a:t>レベル目のアウトライン</a:t>
             </a:r>
-            <a:endParaRPr b="0" lang="en-US" sz="1800" spc="-1" strike="noStrike">
+            <a:endParaRPr b="0" lang="en-US" sz="2000" spc="-1" strike="noStrike">
               <a:latin typeface="Arial"/>
             </a:endParaRPr>
           </a:p>
@@ -2591,7 +2592,7 @@
         </p:nvGraphicFramePr>
         <p:xfrm>
           <a:off x="4872600" y="3648960"/>
-          <a:ext cx="4130280" cy="1906920"/>
+          <a:ext cx="4129920" cy="1906560"/>
         </p:xfrm>
         <a:graphic>
           <a:graphicData uri="http://schemas.openxmlformats.org/drawingml/2006/chart">
@@ -2608,7 +2609,7 @@
         <p:spPr>
           <a:xfrm>
             <a:off x="136080" y="176400"/>
-            <a:ext cx="9349560" cy="1285920"/>
+            <a:ext cx="9349200" cy="1285560"/>
           </a:xfrm>
           <a:prstGeom prst="rect">
             <a:avLst/>
@@ -2713,7 +2714,7 @@
         <p:spPr>
           <a:xfrm>
             <a:off x="120240" y="1434600"/>
-            <a:ext cx="4445640" cy="934920"/>
+            <a:ext cx="4445280" cy="934560"/>
           </a:xfrm>
           <a:prstGeom prst="rect">
             <a:avLst/>
@@ -2794,7 +2795,7 @@
         <p:spPr>
           <a:xfrm>
             <a:off x="120240" y="7245000"/>
-            <a:ext cx="3518640" cy="669240"/>
+            <a:ext cx="3518280" cy="668880"/>
           </a:xfrm>
           <a:prstGeom prst="rect">
             <a:avLst/>
@@ -2845,7 +2846,7 @@
         <p:spPr>
           <a:xfrm>
             <a:off x="4914360" y="1434600"/>
-            <a:ext cx="4522320" cy="715320"/>
+            <a:ext cx="4521960" cy="714960"/>
           </a:xfrm>
           <a:prstGeom prst="rect">
             <a:avLst/>
@@ -2896,7 +2897,7 @@
         <p:spPr>
           <a:xfrm>
             <a:off x="490680" y="11214360"/>
-            <a:ext cx="4001040" cy="1302120"/>
+            <a:ext cx="4000680" cy="1301760"/>
           </a:xfrm>
           <a:prstGeom prst="rect">
             <a:avLst/>
@@ -2957,7 +2958,7 @@
         <p:spPr>
           <a:xfrm>
             <a:off x="5130720" y="9826200"/>
-            <a:ext cx="4035600" cy="1544760"/>
+            <a:ext cx="4035240" cy="1544400"/>
           </a:xfrm>
           <a:prstGeom prst="rect">
             <a:avLst/>
@@ -3068,7 +3069,7 @@
         <p:spPr>
           <a:xfrm>
             <a:off x="336240" y="2226600"/>
-            <a:ext cx="3836520" cy="1869480"/>
+            <a:ext cx="3836160" cy="1869480"/>
           </a:xfrm>
           <a:prstGeom prst="rect">
             <a:avLst/>
@@ -3112,7 +3113,7 @@
             </a:endParaRPr>
           </a:p>
           <a:p>
-            <a:pPr marL="185760" indent="-184680">
+            <a:pPr marL="185760" indent="-184320">
               <a:lnSpc>
                 <a:spcPct val="100000"/>
               </a:lnSpc>
@@ -3137,7 +3138,7 @@
             </a:endParaRPr>
           </a:p>
           <a:p>
-            <a:pPr marL="185760" indent="-184680">
+            <a:pPr marL="185760" indent="-184320">
               <a:lnSpc>
                 <a:spcPct val="100000"/>
               </a:lnSpc>
@@ -3162,7 +3163,7 @@
             </a:endParaRPr>
           </a:p>
           <a:p>
-            <a:pPr marL="185760" indent="-184680">
+            <a:pPr marL="185760" indent="-184320">
               <a:lnSpc>
                 <a:spcPct val="100000"/>
               </a:lnSpc>
@@ -3187,7 +3188,7 @@
             </a:endParaRPr>
           </a:p>
           <a:p>
-            <a:pPr marL="185760" indent="-184680">
+            <a:pPr marL="185760" indent="-184320">
               <a:lnSpc>
                 <a:spcPct val="100000"/>
               </a:lnSpc>
@@ -3212,7 +3213,7 @@
             </a:endParaRPr>
           </a:p>
           <a:p>
-            <a:pPr marL="185760" indent="-184680">
+            <a:pPr marL="185760" indent="-184320">
               <a:lnSpc>
                 <a:spcPct val="100000"/>
               </a:lnSpc>
@@ -3247,7 +3248,7 @@
         <p:spPr>
           <a:xfrm>
             <a:off x="336240" y="7799400"/>
-            <a:ext cx="3959280" cy="3366360"/>
+            <a:ext cx="3958920" cy="3366360"/>
           </a:xfrm>
           <a:prstGeom prst="rect">
             <a:avLst/>
@@ -3291,7 +3292,7 @@
             </a:endParaRPr>
           </a:p>
           <a:p>
-            <a:pPr marL="185760" indent="-184680">
+            <a:pPr marL="185760" indent="-184320">
               <a:lnSpc>
                 <a:spcPts val="1800"/>
               </a:lnSpc>
@@ -3316,7 +3317,7 @@
             </a:endParaRPr>
           </a:p>
           <a:p>
-            <a:pPr marL="185760" indent="-184680">
+            <a:pPr marL="185760" indent="-184320">
               <a:lnSpc>
                 <a:spcPts val="1800"/>
               </a:lnSpc>
@@ -3341,7 +3342,7 @@
             </a:endParaRPr>
           </a:p>
           <a:p>
-            <a:pPr marL="185760" indent="-184680">
+            <a:pPr marL="185760" indent="-184320">
               <a:lnSpc>
                 <a:spcPts val="1800"/>
               </a:lnSpc>
@@ -3486,7 +3487,7 @@
         <p:spPr>
           <a:xfrm>
             <a:off x="5160600" y="1938600"/>
-            <a:ext cx="4005720" cy="1869480"/>
+            <a:ext cx="4005360" cy="1869480"/>
           </a:xfrm>
           <a:prstGeom prst="rect">
             <a:avLst/>
@@ -3530,7 +3531,7 @@
             </a:endParaRPr>
           </a:p>
           <a:p>
-            <a:pPr marL="185760" indent="-184680">
+            <a:pPr marL="185760" indent="-184320">
               <a:lnSpc>
                 <a:spcPct val="100000"/>
               </a:lnSpc>
@@ -3555,7 +3556,7 @@
             </a:endParaRPr>
           </a:p>
           <a:p>
-            <a:pPr marL="185760" indent="-184680">
+            <a:pPr marL="185760" indent="-184320">
               <a:lnSpc>
                 <a:spcPct val="100000"/>
               </a:lnSpc>
@@ -3580,7 +3581,7 @@
             </a:endParaRPr>
           </a:p>
           <a:p>
-            <a:pPr marL="185760" indent="-184680">
+            <a:pPr marL="185760" indent="-184320">
               <a:lnSpc>
                 <a:spcPct val="100000"/>
               </a:lnSpc>
@@ -3625,7 +3626,7 @@
         <p:spPr>
           <a:xfrm>
             <a:off x="4914360" y="11301840"/>
-            <a:ext cx="4413960" cy="511920"/>
+            <a:ext cx="4413600" cy="511560"/>
           </a:xfrm>
           <a:prstGeom prst="rect">
             <a:avLst/>
@@ -3676,7 +3677,7 @@
         <p:spPr>
           <a:xfrm>
             <a:off x="4907880" y="6970680"/>
-            <a:ext cx="4209840" cy="715320"/>
+            <a:ext cx="4209480" cy="714960"/>
           </a:xfrm>
           <a:prstGeom prst="rect">
             <a:avLst/>
@@ -3727,7 +3728,7 @@
         <p:spPr>
           <a:xfrm>
             <a:off x="5108400" y="7687080"/>
-            <a:ext cx="4181760" cy="2112840"/>
+            <a:ext cx="4181400" cy="2112840"/>
           </a:xfrm>
           <a:prstGeom prst="rect">
             <a:avLst/>
@@ -3771,7 +3772,7 @@
             </a:endParaRPr>
           </a:p>
           <a:p>
-            <a:pPr marL="185760" indent="-184680">
+            <a:pPr marL="185760" indent="-184320">
               <a:lnSpc>
                 <a:spcPct val="100000"/>
               </a:lnSpc>
@@ -3796,7 +3797,7 @@
             </a:endParaRPr>
           </a:p>
           <a:p>
-            <a:pPr marL="185760" indent="-184680">
+            <a:pPr marL="185760" indent="-184320">
               <a:lnSpc>
                 <a:spcPct val="100000"/>
               </a:lnSpc>
@@ -3821,7 +3822,7 @@
             </a:endParaRPr>
           </a:p>
           <a:p>
-            <a:pPr marL="185760" indent="-184680">
+            <a:pPr marL="185760" indent="-184320">
               <a:lnSpc>
                 <a:spcPct val="100000"/>
               </a:lnSpc>
@@ -3846,7 +3847,7 @@
             </a:endParaRPr>
           </a:p>
           <a:p>
-            <a:pPr marL="185760" indent="-184680">
+            <a:pPr marL="185760" indent="-184320">
               <a:lnSpc>
                 <a:spcPct val="100000"/>
               </a:lnSpc>
@@ -3871,7 +3872,7 @@
             </a:endParaRPr>
           </a:p>
           <a:p>
-            <a:pPr marL="185760" indent="-184680">
+            <a:pPr marL="185760" indent="-184320">
               <a:lnSpc>
                 <a:spcPct val="100000"/>
               </a:lnSpc>
@@ -3906,7 +3907,7 @@
         <p:spPr>
           <a:xfrm>
             <a:off x="5016600" y="5599440"/>
-            <a:ext cx="4035600" cy="1383840"/>
+            <a:ext cx="4035240" cy="1383480"/>
           </a:xfrm>
           <a:prstGeom prst="rect">
             <a:avLst/>
@@ -3995,7 +3996,7 @@
         <p:spPr>
           <a:xfrm>
             <a:off x="5160600" y="11656080"/>
-            <a:ext cx="4475160" cy="1063080"/>
+            <a:ext cx="4474800" cy="1063080"/>
           </a:xfrm>
           <a:prstGeom prst="rect">
             <a:avLst/>
@@ -4100,7 +4101,7 @@
         <p:spPr>
           <a:xfrm>
             <a:off x="8365680" y="1037880"/>
-            <a:ext cx="977760" cy="358920"/>
+            <a:ext cx="977400" cy="358560"/>
           </a:xfrm>
           <a:prstGeom prst="rect">
             <a:avLst/>
@@ -4191,7 +4192,7 @@
         <p:spPr>
           <a:xfrm>
             <a:off x="207000" y="4119480"/>
-            <a:ext cx="4448160" cy="3288240"/>
+            <a:ext cx="4447800" cy="3287880"/>
           </a:xfrm>
           <a:prstGeom prst="rect">
             <a:avLst/>
@@ -4242,7 +4243,7 @@
             </a:endParaRPr>
           </a:p>
           <a:p>
-            <a:pPr marL="179280" indent="-178200">
+            <a:pPr marL="179280" indent="-177840">
               <a:lnSpc>
                 <a:spcPct val="100000"/>
               </a:lnSpc>
@@ -4287,7 +4288,7 @@
             </a:endParaRPr>
           </a:p>
           <a:p>
-            <a:pPr marL="179280" indent="-178200">
+            <a:pPr marL="179280" indent="-177840">
               <a:lnSpc>
                 <a:spcPct val="100000"/>
               </a:lnSpc>
@@ -4332,7 +4333,7 @@
             </a:endParaRPr>
           </a:p>
           <a:p>
-            <a:pPr marL="179280" indent="-178200">
+            <a:pPr marL="179280" indent="-177840">
               <a:lnSpc>
                 <a:spcPct val="100000"/>
               </a:lnSpc>
@@ -4377,7 +4378,7 @@
             </a:endParaRPr>
           </a:p>
           <a:p>
-            <a:pPr marL="179280" indent="-178200">
+            <a:pPr marL="179280" indent="-177840">
               <a:lnSpc>
                 <a:spcPct val="100000"/>
               </a:lnSpc>
@@ -4402,7 +4403,7 @@
             </a:endParaRPr>
           </a:p>
           <a:p>
-            <a:pPr marL="179280" indent="-178200">
+            <a:pPr marL="179280" indent="-177840">
               <a:lnSpc>
                 <a:spcPct val="100000"/>
               </a:lnSpc>
@@ -4427,7 +4428,7 @@
             </a:endParaRPr>
           </a:p>
           <a:p>
-            <a:pPr marL="179280" indent="-178200">
+            <a:pPr marL="179280" indent="-177840">
               <a:lnSpc>
                 <a:spcPct val="100000"/>
               </a:lnSpc>
@@ -4462,7 +4463,7 @@
         <p:spPr>
           <a:xfrm>
             <a:off x="5016600" y="3580200"/>
-            <a:ext cx="4035600" cy="1913760"/>
+            <a:ext cx="4035240" cy="1913400"/>
           </a:xfrm>
           <a:prstGeom prst="rect">
             <a:avLst/>
@@ -5133,7 +5134,7 @@
         </p:nvGraphicFramePr>
         <p:xfrm>
           <a:off x="4872600" y="3648960"/>
-          <a:ext cx="4130280" cy="1906920"/>
+          <a:ext cx="4129920" cy="1906560"/>
         </p:xfrm>
         <a:graphic>
           <a:graphicData uri="http://schemas.openxmlformats.org/drawingml/2006/chart">
@@ -5150,7 +5151,7 @@
         <p:spPr>
           <a:xfrm>
             <a:off x="136080" y="176400"/>
-            <a:ext cx="9349560" cy="1285920"/>
+            <a:ext cx="9349200" cy="1285560"/>
           </a:xfrm>
           <a:prstGeom prst="rect">
             <a:avLst/>
@@ -5255,7 +5256,7 @@
         <p:spPr>
           <a:xfrm>
             <a:off x="120240" y="1434600"/>
-            <a:ext cx="4445640" cy="934920"/>
+            <a:ext cx="4445280" cy="934560"/>
           </a:xfrm>
           <a:prstGeom prst="rect">
             <a:avLst/>
@@ -5306,7 +5307,7 @@
         <p:spPr>
           <a:xfrm>
             <a:off x="120240" y="7245000"/>
-            <a:ext cx="3518640" cy="669240"/>
+            <a:ext cx="3518280" cy="668880"/>
           </a:xfrm>
           <a:prstGeom prst="rect">
             <a:avLst/>
@@ -5357,7 +5358,7 @@
         <p:spPr>
           <a:xfrm>
             <a:off x="4914360" y="1434600"/>
-            <a:ext cx="4522320" cy="715320"/>
+            <a:ext cx="4521960" cy="714960"/>
           </a:xfrm>
           <a:prstGeom prst="rect">
             <a:avLst/>
@@ -5408,7 +5409,7 @@
         <p:spPr>
           <a:xfrm>
             <a:off x="490680" y="11214360"/>
-            <a:ext cx="4001040" cy="1302120"/>
+            <a:ext cx="4000680" cy="1301760"/>
           </a:xfrm>
           <a:prstGeom prst="rect">
             <a:avLst/>
@@ -5469,7 +5470,7 @@
         <p:spPr>
           <a:xfrm>
             <a:off x="5130720" y="9826200"/>
-            <a:ext cx="4035600" cy="1544760"/>
+            <a:ext cx="4035240" cy="1544400"/>
           </a:xfrm>
           <a:prstGeom prst="rect">
             <a:avLst/>
@@ -5580,7 +5581,7 @@
         <p:spPr>
           <a:xfrm>
             <a:off x="336240" y="2226600"/>
-            <a:ext cx="4464360" cy="1306440"/>
+            <a:ext cx="4464000" cy="1306440"/>
           </a:xfrm>
           <a:prstGeom prst="rect">
             <a:avLst/>
@@ -5611,6 +5612,9 @@
             </a:pPr>
             <a:r>
               <a:rPr b="0" lang="en-US" sz="1600" spc="-1" strike="noStrike">
+                <a:solidFill>
+                  <a:srgbClr val="000000"/>
+                </a:solidFill>
                 <a:latin typeface="Arial"/>
                 <a:ea typeface="DejaVu Sans"/>
               </a:rPr>
@@ -5618,10 +5622,13 @@
             </a:r>
             <a:r>
               <a:rPr b="0" lang="en-US" sz="1600" spc="-1" strike="noStrike">
-                <a:latin typeface="Arial"/>
-                <a:ea typeface="DejaVu Sans"/>
-              </a:rPr>
-              <a:t>SDF(Signed Distance Field) modering is a better  method for rendering curves than polygon modering. In this research, I’ll implement SDF-based modeling system for beginners in Unity.</a:t>
+                <a:solidFill>
+                  <a:srgbClr val="000000"/>
+                </a:solidFill>
+                <a:latin typeface="Arial"/>
+                <a:ea typeface="DejaVu Sans"/>
+              </a:rPr>
+              <a:t>SDF(Signed Distance Field) modering is a better  method for rendering curves than polygon modering. In this research, I’ll implement SDF-based modeling system to make easier in Unity.</a:t>
             </a:r>
             <a:endParaRPr b="0" lang="en-US" sz="1600" spc="-1" strike="noStrike">
               <a:latin typeface="Arial"/>
@@ -5638,7 +5645,7 @@
         <p:spPr>
           <a:xfrm>
             <a:off x="336240" y="7799400"/>
-            <a:ext cx="3959280" cy="3366360"/>
+            <a:ext cx="3958920" cy="3366360"/>
           </a:xfrm>
           <a:prstGeom prst="rect">
             <a:avLst/>
@@ -5682,7 +5689,7 @@
             </a:endParaRPr>
           </a:p>
           <a:p>
-            <a:pPr marL="185760" indent="-184680">
+            <a:pPr marL="185760" indent="-184320">
               <a:lnSpc>
                 <a:spcPts val="1800"/>
               </a:lnSpc>
@@ -5707,7 +5714,7 @@
             </a:endParaRPr>
           </a:p>
           <a:p>
-            <a:pPr marL="185760" indent="-184680">
+            <a:pPr marL="185760" indent="-184320">
               <a:lnSpc>
                 <a:spcPts val="1800"/>
               </a:lnSpc>
@@ -5732,7 +5739,7 @@
             </a:endParaRPr>
           </a:p>
           <a:p>
-            <a:pPr marL="185760" indent="-184680">
+            <a:pPr marL="185760" indent="-184320">
               <a:lnSpc>
                 <a:spcPts val="1800"/>
               </a:lnSpc>
@@ -5877,7 +5884,7 @@
         <p:spPr>
           <a:xfrm>
             <a:off x="5160600" y="1938600"/>
-            <a:ext cx="4005720" cy="1869480"/>
+            <a:ext cx="4005360" cy="1869480"/>
           </a:xfrm>
           <a:prstGeom prst="rect">
             <a:avLst/>
@@ -5921,7 +5928,7 @@
             </a:endParaRPr>
           </a:p>
           <a:p>
-            <a:pPr marL="185760" indent="-184680">
+            <a:pPr marL="185760" indent="-184320">
               <a:lnSpc>
                 <a:spcPct val="100000"/>
               </a:lnSpc>
@@ -5946,7 +5953,7 @@
             </a:endParaRPr>
           </a:p>
           <a:p>
-            <a:pPr marL="185760" indent="-184680">
+            <a:pPr marL="185760" indent="-184320">
               <a:lnSpc>
                 <a:spcPct val="100000"/>
               </a:lnSpc>
@@ -5971,7 +5978,7 @@
             </a:endParaRPr>
           </a:p>
           <a:p>
-            <a:pPr marL="185760" indent="-184680">
+            <a:pPr marL="185760" indent="-184320">
               <a:lnSpc>
                 <a:spcPct val="100000"/>
               </a:lnSpc>
@@ -6016,7 +6023,7 @@
         <p:spPr>
           <a:xfrm>
             <a:off x="4914360" y="11301840"/>
-            <a:ext cx="4413960" cy="511920"/>
+            <a:ext cx="4413600" cy="511560"/>
           </a:xfrm>
           <a:prstGeom prst="rect">
             <a:avLst/>
@@ -6067,7 +6074,7 @@
         <p:spPr>
           <a:xfrm>
             <a:off x="4907880" y="6970680"/>
-            <a:ext cx="4209840" cy="715320"/>
+            <a:ext cx="4209480" cy="714960"/>
           </a:xfrm>
           <a:prstGeom prst="rect">
             <a:avLst/>
@@ -6118,7 +6125,7 @@
         <p:spPr>
           <a:xfrm>
             <a:off x="5108400" y="7687080"/>
-            <a:ext cx="4181760" cy="2112840"/>
+            <a:ext cx="4181400" cy="2112840"/>
           </a:xfrm>
           <a:prstGeom prst="rect">
             <a:avLst/>
@@ -6162,7 +6169,7 @@
             </a:endParaRPr>
           </a:p>
           <a:p>
-            <a:pPr marL="185760" indent="-184680">
+            <a:pPr marL="185760" indent="-184320">
               <a:lnSpc>
                 <a:spcPct val="100000"/>
               </a:lnSpc>
@@ -6187,7 +6194,7 @@
             </a:endParaRPr>
           </a:p>
           <a:p>
-            <a:pPr marL="185760" indent="-184680">
+            <a:pPr marL="185760" indent="-184320">
               <a:lnSpc>
                 <a:spcPct val="100000"/>
               </a:lnSpc>
@@ -6212,7 +6219,7 @@
             </a:endParaRPr>
           </a:p>
           <a:p>
-            <a:pPr marL="185760" indent="-184680">
+            <a:pPr marL="185760" indent="-184320">
               <a:lnSpc>
                 <a:spcPct val="100000"/>
               </a:lnSpc>
@@ -6237,7 +6244,7 @@
             </a:endParaRPr>
           </a:p>
           <a:p>
-            <a:pPr marL="185760" indent="-184680">
+            <a:pPr marL="185760" indent="-184320">
               <a:lnSpc>
                 <a:spcPct val="100000"/>
               </a:lnSpc>
@@ -6262,7 +6269,7 @@
             </a:endParaRPr>
           </a:p>
           <a:p>
-            <a:pPr marL="185760" indent="-184680">
+            <a:pPr marL="185760" indent="-184320">
               <a:lnSpc>
                 <a:spcPct val="100000"/>
               </a:lnSpc>
@@ -6297,7 +6304,7 @@
         <p:spPr>
           <a:xfrm>
             <a:off x="5016600" y="5599440"/>
-            <a:ext cx="4035600" cy="1383840"/>
+            <a:ext cx="4035240" cy="1383480"/>
           </a:xfrm>
           <a:prstGeom prst="rect">
             <a:avLst/>
@@ -6386,7 +6393,7 @@
         <p:spPr>
           <a:xfrm>
             <a:off x="5160600" y="11656080"/>
-            <a:ext cx="4475160" cy="1063080"/>
+            <a:ext cx="4474800" cy="1063080"/>
           </a:xfrm>
           <a:prstGeom prst="rect">
             <a:avLst/>
@@ -6491,7 +6498,7 @@
         <p:spPr>
           <a:xfrm>
             <a:off x="8365680" y="1037880"/>
-            <a:ext cx="977760" cy="358920"/>
+            <a:ext cx="977400" cy="358560"/>
           </a:xfrm>
           <a:prstGeom prst="rect">
             <a:avLst/>
@@ -6582,7 +6589,7 @@
         <p:spPr>
           <a:xfrm>
             <a:off x="207000" y="4119480"/>
-            <a:ext cx="4448160" cy="3288240"/>
+            <a:ext cx="4447800" cy="3287880"/>
           </a:xfrm>
           <a:prstGeom prst="rect">
             <a:avLst/>
@@ -6633,7 +6640,7 @@
             </a:endParaRPr>
           </a:p>
           <a:p>
-            <a:pPr marL="179280" indent="-178200">
+            <a:pPr marL="179280" indent="-177840">
               <a:lnSpc>
                 <a:spcPct val="100000"/>
               </a:lnSpc>
@@ -6678,7 +6685,7 @@
             </a:endParaRPr>
           </a:p>
           <a:p>
-            <a:pPr marL="179280" indent="-178200">
+            <a:pPr marL="179280" indent="-177840">
               <a:lnSpc>
                 <a:spcPct val="100000"/>
               </a:lnSpc>
@@ -6723,7 +6730,7 @@
             </a:endParaRPr>
           </a:p>
           <a:p>
-            <a:pPr marL="179280" indent="-178200">
+            <a:pPr marL="179280" indent="-177840">
               <a:lnSpc>
                 <a:spcPct val="100000"/>
               </a:lnSpc>
@@ -6768,7 +6775,7 @@
             </a:endParaRPr>
           </a:p>
           <a:p>
-            <a:pPr marL="179280" indent="-178200">
+            <a:pPr marL="179280" indent="-177840">
               <a:lnSpc>
                 <a:spcPct val="100000"/>
               </a:lnSpc>
@@ -6793,7 +6800,7 @@
             </a:endParaRPr>
           </a:p>
           <a:p>
-            <a:pPr marL="179280" indent="-178200">
+            <a:pPr marL="179280" indent="-177840">
               <a:lnSpc>
                 <a:spcPct val="100000"/>
               </a:lnSpc>
@@ -6818,7 +6825,7 @@
             </a:endParaRPr>
           </a:p>
           <a:p>
-            <a:pPr marL="179280" indent="-178200">
+            <a:pPr marL="179280" indent="-177840">
               <a:lnSpc>
                 <a:spcPct val="100000"/>
               </a:lnSpc>
@@ -6853,7 +6860,7 @@
         <p:spPr>
           <a:xfrm>
             <a:off x="5016600" y="3580200"/>
-            <a:ext cx="4035600" cy="1913760"/>
+            <a:ext cx="4035240" cy="1913400"/>
           </a:xfrm>
           <a:prstGeom prst="rect">
             <a:avLst/>
@@ -7024,7 +7031,7 @@
                         <a:t>Condition</a:t>
                       </a:r>
                       <a:endParaRPr b="0" lang="en-US" sz="1300" spc="-1" strike="noStrike">
-                        <a:latin typeface="Times New Roman"/>
+                        <a:latin typeface="Arial"/>
                       </a:endParaRPr>
                     </a:p>
                   </a:txBody>
@@ -7071,7 +7078,7 @@
                         <a:t>Algorithm 1</a:t>
                       </a:r>
                       <a:endParaRPr b="0" lang="en-US" sz="1300" spc="-1" strike="noStrike">
-                        <a:latin typeface="Times New Roman"/>
+                        <a:latin typeface="Arial"/>
                       </a:endParaRPr>
                     </a:p>
                   </a:txBody>
@@ -7120,7 +7127,7 @@
                         <a:t>Algorithm 2</a:t>
                       </a:r>
                       <a:endParaRPr b="0" lang="en-US" sz="1300" spc="-1" strike="noStrike">
-                        <a:latin typeface="Times New Roman"/>
+                        <a:latin typeface="Arial"/>
                       </a:endParaRPr>
                     </a:p>
                   </a:txBody>
@@ -7178,7 +7185,7 @@
                         <a:t>1</a:t>
                       </a:r>
                       <a:endParaRPr b="0" lang="en-US" sz="1300" spc="-1" strike="noStrike">
-                        <a:latin typeface="Times New Roman"/>
+                        <a:latin typeface="Arial"/>
                       </a:endParaRPr>
                     </a:p>
                   </a:txBody>
@@ -7225,7 +7232,7 @@
                         <a:t>1.23</a:t>
                       </a:r>
                       <a:endParaRPr b="0" lang="en-US" sz="1300" spc="-1" strike="noStrike">
-                        <a:latin typeface="Times New Roman"/>
+                        <a:latin typeface="Arial"/>
                       </a:endParaRPr>
                     </a:p>
                   </a:txBody>
@@ -7274,7 +7281,7 @@
                         <a:t>0.65</a:t>
                       </a:r>
                       <a:endParaRPr b="0" lang="en-US" sz="1300" spc="-1" strike="noStrike">
-                        <a:latin typeface="Times New Roman"/>
+                        <a:latin typeface="Arial"/>
                       </a:endParaRPr>
                     </a:p>
                   </a:txBody>
@@ -7332,7 +7339,7 @@
                         <a:t>2</a:t>
                       </a:r>
                       <a:endParaRPr b="0" lang="en-US" sz="1300" spc="-1" strike="noStrike">
-                        <a:latin typeface="Times New Roman"/>
+                        <a:latin typeface="Arial"/>
                       </a:endParaRPr>
                     </a:p>
                   </a:txBody>
@@ -7379,7 +7386,7 @@
                         <a:t>2.25</a:t>
                       </a:r>
                       <a:endParaRPr b="0" lang="en-US" sz="1300" spc="-1" strike="noStrike">
-                        <a:latin typeface="Times New Roman"/>
+                        <a:latin typeface="Arial"/>
                       </a:endParaRPr>
                     </a:p>
                   </a:txBody>
@@ -7428,7 +7435,7 @@
                         <a:t>1.02</a:t>
                       </a:r>
                       <a:endParaRPr b="0" lang="en-US" sz="1300" spc="-1" strike="noStrike">
-                        <a:latin typeface="Times New Roman"/>
+                        <a:latin typeface="Arial"/>
                       </a:endParaRPr>
                     </a:p>
                   </a:txBody>
